--- a/Pitch1.pptx
+++ b/Pitch1.pptx
@@ -108,6 +108,11 @@
       </a:defRPr>
     </a:lvl9pPr>
   </p:defaultTextStyle>
+  <p:extLst>
+    <p:ext uri="{EFAFB233-063F-42B5-8137-9DF3F51BA10A}">
+      <p15:sldGuideLst xmlns:p15="http://schemas.microsoft.com/office/powerpoint/2012/main"/>
+    </p:ext>
+  </p:extLst>
 </p:presentation>
 </file>
 
@@ -5463,12 +5468,55 @@
             <p:ph type="title"/>
           </p:nvPr>
         </p:nvSpPr>
-        <p:spPr/>
-        <p:txBody>
-          <a:bodyPr/>
-          <a:lstStyle/>
-          <a:p>
-            <a:endParaRPr lang="zh-TW" altLang="en-US"/>
+        <p:spPr>
+          <a:xfrm>
+            <a:off x="9042761" y="0"/>
+            <a:ext cx="3149239" cy="2844800"/>
+          </a:xfrm>
+        </p:spPr>
+        <p:txBody>
+          <a:bodyPr>
+            <a:normAutofit/>
+          </a:bodyPr>
+          <a:lstStyle/>
+          <a:p>
+            <a:r>
+              <a:rPr lang="zh-TW" altLang="en-US" dirty="0" smtClean="0"/>
+              <a:t>資料來源 </a:t>
+            </a:r>
+            <a:r>
+              <a:rPr lang="en-US" altLang="zh-TW" dirty="0" smtClean="0"/>
+              <a:t>:</a:t>
+            </a:r>
+            <a:r>
+              <a:rPr lang="zh-TW" altLang="en-US" dirty="0" smtClean="0"/>
+              <a:t> </a:t>
+            </a:r>
+            <a:r>
+              <a:rPr lang="en-US" altLang="zh-TW" dirty="0" err="1" smtClean="0"/>
+              <a:t>bY</a:t>
+            </a:r>
+            <a:r>
+              <a:rPr lang="zh-TW" altLang="en-US" dirty="0" smtClean="0"/>
+              <a:t>組員</a:t>
+            </a:r>
+            <a:r>
+              <a:rPr lang="en-US" altLang="zh-TW" dirty="0" smtClean="0"/>
+              <a:t>(</a:t>
+            </a:r>
+            <a:r>
+              <a:rPr lang="zh-TW" altLang="en-US" dirty="0" smtClean="0"/>
+              <a:t>椽鈞</a:t>
+            </a:r>
+            <a:r>
+              <a:rPr lang="en-US" altLang="zh-TW" dirty="0" smtClean="0"/>
+              <a:t>)</a:t>
+            </a:r>
+            <a:r>
+              <a:rPr lang="zh-TW" altLang="en-US" dirty="0" smtClean="0"/>
+              <a:t>的快樂桌遊同伴</a:t>
+            </a:r>
+            <a:endParaRPr lang="zh-TW" altLang="en-US" dirty="0"/>
           </a:p>
         </p:txBody>
       </p:sp>
@@ -5482,15 +5530,128 @@
             <p:ph idx="1"/>
           </p:nvPr>
         </p:nvSpPr>
-        <p:spPr/>
-        <p:txBody>
-          <a:bodyPr/>
-          <a:lstStyle/>
-          <a:p>
-            <a:endParaRPr lang="zh-TW" altLang="en-US"/>
-          </a:p>
-        </p:txBody>
-      </p:sp>
+        <p:spPr>
+          <a:xfrm>
+            <a:off x="184221" y="1137224"/>
+            <a:ext cx="775855" cy="3631051"/>
+          </a:xfrm>
+        </p:spPr>
+        <p:txBody>
+          <a:bodyPr>
+            <a:noAutofit/>
+          </a:bodyPr>
+          <a:lstStyle/>
+          <a:p>
+            <a:r>
+              <a:rPr lang="zh-TW" altLang="en-US" sz="4000" dirty="0" smtClean="0"/>
+              <a:t>資料展示</a:t>
+            </a:r>
+            <a:endParaRPr lang="zh-TW" altLang="en-US" sz="4000" dirty="0"/>
+          </a:p>
+        </p:txBody>
+      </p:sp>
+      <p:pic>
+        <p:nvPicPr>
+          <p:cNvPr id="4" name="圖片 3"/>
+          <p:cNvPicPr>
+            <a:picLocks noChangeAspect="1"/>
+          </p:cNvPicPr>
+          <p:nvPr/>
+        </p:nvPicPr>
+        <p:blipFill>
+          <a:blip r:embed="rId2"/>
+          <a:stretch>
+            <a:fillRect/>
+          </a:stretch>
+        </p:blipFill>
+        <p:spPr>
+          <a:xfrm>
+            <a:off x="1549544" y="0"/>
+            <a:ext cx="3495675" cy="5905500"/>
+          </a:xfrm>
+          <a:prstGeom prst="rect">
+            <a:avLst/>
+          </a:prstGeom>
+        </p:spPr>
+      </p:pic>
+      <p:pic>
+        <p:nvPicPr>
+          <p:cNvPr id="5" name="圖片 4"/>
+          <p:cNvPicPr>
+            <a:picLocks noChangeAspect="1"/>
+          </p:cNvPicPr>
+          <p:nvPr/>
+        </p:nvPicPr>
+        <p:blipFill>
+          <a:blip r:embed="rId3"/>
+          <a:stretch>
+            <a:fillRect/>
+          </a:stretch>
+        </p:blipFill>
+        <p:spPr>
+          <a:xfrm>
+            <a:off x="5045219" y="657225"/>
+            <a:ext cx="3352800" cy="5248275"/>
+          </a:xfrm>
+          <a:prstGeom prst="rect">
+            <a:avLst/>
+          </a:prstGeom>
+        </p:spPr>
+      </p:pic>
+      <p:pic>
+        <p:nvPicPr>
+          <p:cNvPr id="6" name="圖片 5"/>
+          <p:cNvPicPr>
+            <a:picLocks noChangeAspect="1"/>
+          </p:cNvPicPr>
+          <p:nvPr/>
+        </p:nvPicPr>
+        <p:blipFill>
+          <a:blip r:embed="rId4"/>
+          <a:stretch>
+            <a:fillRect/>
+          </a:stretch>
+        </p:blipFill>
+        <p:spPr>
+          <a:xfrm>
+            <a:off x="5440362" y="504825"/>
+            <a:ext cx="2733675" cy="152400"/>
+          </a:xfrm>
+          <a:prstGeom prst="rect">
+            <a:avLst/>
+          </a:prstGeom>
+        </p:spPr>
+      </p:pic>
+      <p:pic>
+        <p:nvPicPr>
+          <p:cNvPr id="7" name="圖片 6"/>
+          <p:cNvPicPr>
+            <a:picLocks noChangeAspect="1"/>
+          </p:cNvPicPr>
+          <p:nvPr/>
+        </p:nvPicPr>
+        <p:blipFill>
+          <a:blip r:embed="rId5">
+            <a:extLst>
+              <a:ext uri="{28A0092B-C50C-407E-A947-70E740481C1C}">
+                <a14:useLocalDpi xmlns:a14="http://schemas.microsoft.com/office/drawing/2010/main" val="0"/>
+              </a:ext>
+            </a:extLst>
+          </a:blip>
+          <a:stretch>
+            <a:fillRect/>
+          </a:stretch>
+        </p:blipFill>
+        <p:spPr>
+          <a:xfrm>
+            <a:off x="1549544" y="4481371"/>
+            <a:ext cx="10058400" cy="2274449"/>
+          </a:xfrm>
+          <a:prstGeom prst="rect">
+            <a:avLst/>
+          </a:prstGeom>
+        </p:spPr>
+      </p:pic>
     </p:spTree>
     <p:extLst>
       <p:ext uri="{BB962C8B-B14F-4D97-AF65-F5344CB8AC3E}">

--- a/Pitch1.pptx
+++ b/Pitch1.pptx
@@ -5692,12 +5692,21 @@
             <p:ph type="title"/>
           </p:nvPr>
         </p:nvSpPr>
-        <p:spPr/>
+        <p:spPr>
+          <a:xfrm>
+            <a:off x="277812" y="4792132"/>
+            <a:ext cx="8534400" cy="1507067"/>
+          </a:xfrm>
+        </p:spPr>
         <p:txBody>
           <a:bodyPr/>
           <a:lstStyle/>
           <a:p>
-            <a:endParaRPr lang="zh-TW" altLang="en-US"/>
+            <a:r>
+              <a:rPr lang="zh-TW" altLang="en-US" dirty="0" smtClean="0"/>
+              <a:t>統計偏好類型與人數間的關係</a:t>
+            </a:r>
+            <a:endParaRPr lang="zh-TW" altLang="en-US" dirty="0"/>
           </a:p>
         </p:txBody>
       </p:sp>
@@ -5711,15 +5720,53 @@
             <p:ph idx="1"/>
           </p:nvPr>
         </p:nvSpPr>
-        <p:spPr/>
-        <p:txBody>
-          <a:bodyPr/>
-          <a:lstStyle/>
-          <a:p>
-            <a:endParaRPr lang="zh-TW" altLang="en-US"/>
-          </a:p>
-        </p:txBody>
-      </p:sp>
+        <p:spPr>
+          <a:xfrm>
+            <a:off x="0" y="270163"/>
+            <a:ext cx="1015279" cy="3615267"/>
+          </a:xfrm>
+        </p:spPr>
+        <p:txBody>
+          <a:bodyPr>
+            <a:normAutofit fontScale="92500" lnSpcReduction="10000"/>
+          </a:bodyPr>
+          <a:lstStyle/>
+          <a:p>
+            <a:endParaRPr lang="en-US" altLang="zh-TW" dirty="0" smtClean="0"/>
+          </a:p>
+          <a:p>
+            <a:r>
+              <a:rPr lang="zh-TW" altLang="en-US" sz="4000" dirty="0" smtClean="0"/>
+              <a:t>愛好遊戲統計</a:t>
+            </a:r>
+            <a:endParaRPr lang="zh-TW" altLang="en-US" sz="4000" dirty="0"/>
+          </a:p>
+        </p:txBody>
+      </p:sp>
+      <p:pic>
+        <p:nvPicPr>
+          <p:cNvPr id="4" name="圖片 3"/>
+          <p:cNvPicPr>
+            <a:picLocks noChangeAspect="1"/>
+          </p:cNvPicPr>
+          <p:nvPr/>
+        </p:nvPicPr>
+        <p:blipFill>
+          <a:blip r:embed="rId2"/>
+          <a:stretch>
+            <a:fillRect/>
+          </a:stretch>
+        </p:blipFill>
+        <p:spPr>
+          <a:xfrm>
+            <a:off x="9282112" y="826654"/>
+            <a:ext cx="1552575" cy="2895600"/>
+          </a:xfrm>
+          <a:prstGeom prst="rect">
+            <a:avLst/>
+          </a:prstGeom>
+        </p:spPr>
+      </p:pic>
     </p:spTree>
     <p:extLst>
       <p:ext uri="{BB962C8B-B14F-4D97-AF65-F5344CB8AC3E}">
@@ -5765,7 +5812,15 @@
           <a:bodyPr/>
           <a:lstStyle/>
           <a:p>
-            <a:endParaRPr lang="zh-TW" altLang="en-US"/>
+            <a:r>
+              <a:rPr lang="en-US" altLang="zh-TW" dirty="0" smtClean="0"/>
+              <a:t>##</a:t>
+            </a:r>
+            <a:r>
+              <a:rPr lang="zh-TW" altLang="en-US" dirty="0" smtClean="0"/>
+              <a:t>註解</a:t>
+            </a:r>
+            <a:endParaRPr lang="zh-TW" altLang="en-US" dirty="0"/>
           </a:p>
         </p:txBody>
       </p:sp>
@@ -5779,12 +5834,38 @@
             <p:ph idx="1"/>
           </p:nvPr>
         </p:nvSpPr>
-        <p:spPr/>
-        <p:txBody>
-          <a:bodyPr/>
-          <a:lstStyle/>
-          <a:p>
-            <a:endParaRPr lang="zh-TW" altLang="en-US"/>
+        <p:spPr>
+          <a:xfrm>
+            <a:off x="721" y="0"/>
+            <a:ext cx="1052224" cy="4468091"/>
+          </a:xfrm>
+        </p:spPr>
+        <p:txBody>
+          <a:bodyPr>
+            <a:normAutofit fontScale="92500" lnSpcReduction="10000"/>
+          </a:bodyPr>
+          <a:lstStyle/>
+          <a:p>
+            <a:r>
+              <a:rPr lang="en-US" altLang="zh-TW" sz="4000" dirty="0" smtClean="0"/>
+              <a:t/>
+            </a:r>
+            <a:br>
+              <a:rPr lang="en-US" altLang="zh-TW" sz="4000" dirty="0" smtClean="0"/>
+            </a:br>
+            <a:r>
+              <a:rPr lang="zh-TW" altLang="en-US" sz="4000" dirty="0" smtClean="0"/>
+              <a:t>年齡</a:t>
+            </a:r>
+            <a:r>
+              <a:rPr lang="en-US" altLang="zh-TW" sz="4000" dirty="0" smtClean="0"/>
+              <a:t>X</a:t>
+            </a:r>
+            <a:r>
+              <a:rPr lang="zh-TW" altLang="en-US" sz="4000" dirty="0" smtClean="0"/>
+              <a:t>遊玩時間</a:t>
+            </a:r>
+            <a:endParaRPr lang="zh-TW" altLang="en-US" sz="4000" dirty="0"/>
           </a:p>
         </p:txBody>
       </p:sp>
@@ -5833,7 +5914,15 @@
           <a:bodyPr/>
           <a:lstStyle/>
           <a:p>
-            <a:endParaRPr lang="zh-TW" altLang="en-US"/>
+            <a:r>
+              <a:rPr lang="en-US" altLang="zh-TW" dirty="0" smtClean="0"/>
+              <a:t>##</a:t>
+            </a:r>
+            <a:r>
+              <a:rPr lang="zh-TW" altLang="en-US" dirty="0" smtClean="0"/>
+              <a:t>註解</a:t>
+            </a:r>
+            <a:endParaRPr lang="zh-TW" altLang="en-US" dirty="0"/>
           </a:p>
         </p:txBody>
       </p:sp>
@@ -5852,7 +5941,7 @@
           <a:bodyPr/>
           <a:lstStyle/>
           <a:p>
-            <a:endParaRPr lang="zh-TW" altLang="en-US"/>
+            <a:endParaRPr lang="zh-TW" altLang="en-US" dirty="0"/>
           </a:p>
         </p:txBody>
       </p:sp>

--- a/Pitch1.pptx
+++ b/Pitch1.pptx
@@ -5438,6 +5438,25 @@
   <p:clrMapOvr>
     <a:masterClrMapping/>
   </p:clrMapOvr>
+  <mc:AlternateContent xmlns:mc="http://schemas.openxmlformats.org/markup-compatibility/2006">
+    <mc:Choice xmlns:p14="http://schemas.microsoft.com/office/powerpoint/2010/main" Requires="p14">
+      <p:transition spd="slow" p14:dur="2000">
+        <p:cut/>
+      </p:transition>
+    </mc:Choice>
+    <mc:Fallback>
+      <p:transition spd="slow">
+        <p:cut/>
+      </p:transition>
+    </mc:Fallback>
+  </mc:AlternateContent>
+  <p:timing>
+    <p:tnLst>
+      <p:par>
+        <p:cTn id="1" dur="indefinite" restart="never" nodeType="tmRoot"/>
+      </p:par>
+    </p:tnLst>
+  </p:timing>
 </p:sld>
 </file>
 
@@ -5470,7 +5489,7 @@
         </p:nvSpPr>
         <p:spPr>
           <a:xfrm>
-            <a:off x="9042761" y="0"/>
+            <a:off x="9042761" y="581025"/>
             <a:ext cx="3149239" cy="2844800"/>
           </a:xfrm>
         </p:spPr>
@@ -5514,7 +5533,30 @@
             </a:r>
             <a:r>
               <a:rPr lang="zh-TW" altLang="en-US" dirty="0" smtClean="0"/>
-              <a:t>的快樂桌遊同伴</a:t>
+              <a:t>的快樂桌遊</a:t>
+            </a:r>
+            <a:r>
+              <a:rPr lang="zh-TW" altLang="en-US" dirty="0" smtClean="0"/>
+              <a:t>同伴</a:t>
+            </a:r>
+            <a:r>
+              <a:rPr lang="en-US" altLang="zh-TW" dirty="0" smtClean="0"/>
+              <a:t/>
+            </a:r>
+            <a:br>
+              <a:rPr lang="en-US" altLang="zh-TW" dirty="0" smtClean="0"/>
+            </a:br>
+            <a:r>
+              <a:rPr lang="en-US" altLang="zh-TW" dirty="0" smtClean="0"/>
+              <a:t>(66</a:t>
+            </a:r>
+            <a:r>
+              <a:rPr lang="zh-TW" altLang="en-US" dirty="0" smtClean="0"/>
+              <a:t>筆</a:t>
+            </a:r>
+            <a:r>
+              <a:rPr lang="en-US" altLang="zh-TW" dirty="0" smtClean="0"/>
+              <a:t>)</a:t>
             </a:r>
             <a:endParaRPr lang="zh-TW" altLang="en-US" dirty="0"/>
           </a:p>
@@ -5662,6 +5704,25 @@
   <p:clrMapOvr>
     <a:masterClrMapping/>
   </p:clrMapOvr>
+  <mc:AlternateContent xmlns:mc="http://schemas.openxmlformats.org/markup-compatibility/2006">
+    <mc:Choice xmlns:p14="http://schemas.microsoft.com/office/powerpoint/2010/main" Requires="p14">
+      <p:transition spd="slow" p14:dur="2000">
+        <p:cut/>
+      </p:transition>
+    </mc:Choice>
+    <mc:Fallback>
+      <p:transition spd="slow">
+        <p:cut/>
+      </p:transition>
+    </mc:Fallback>
+  </mc:AlternateContent>
+  <p:timing>
+    <p:tnLst>
+      <p:par>
+        <p:cTn id="1" dur="indefinite" restart="never" nodeType="tmRoot"/>
+      </p:par>
+    </p:tnLst>
+  </p:timing>
 </p:sld>
 </file>
 
@@ -5777,6 +5838,25 @@
   <p:clrMapOvr>
     <a:masterClrMapping/>
   </p:clrMapOvr>
+  <mc:AlternateContent xmlns:mc="http://schemas.openxmlformats.org/markup-compatibility/2006">
+    <mc:Choice xmlns:p14="http://schemas.microsoft.com/office/powerpoint/2010/main" Requires="p14">
+      <p:transition spd="slow" p14:dur="2000">
+        <p:cut/>
+      </p:transition>
+    </mc:Choice>
+    <mc:Fallback>
+      <p:transition spd="slow">
+        <p:cut/>
+      </p:transition>
+    </mc:Fallback>
+  </mc:AlternateContent>
+  <p:timing>
+    <p:tnLst>
+      <p:par>
+        <p:cTn id="1" dur="indefinite" restart="never" nodeType="tmRoot"/>
+      </p:par>
+    </p:tnLst>
+  </p:timing>
 </p:sld>
 </file>
 
@@ -5879,6 +5959,25 @@
   <p:clrMapOvr>
     <a:masterClrMapping/>
   </p:clrMapOvr>
+  <mc:AlternateContent xmlns:mc="http://schemas.openxmlformats.org/markup-compatibility/2006">
+    <mc:Choice xmlns:p14="http://schemas.microsoft.com/office/powerpoint/2010/main" Requires="p14">
+      <p:transition spd="slow" p14:dur="2000">
+        <p:cut/>
+      </p:transition>
+    </mc:Choice>
+    <mc:Fallback>
+      <p:transition spd="slow">
+        <p:cut/>
+      </p:transition>
+    </mc:Fallback>
+  </mc:AlternateContent>
+  <p:timing>
+    <p:tnLst>
+      <p:par>
+        <p:cTn id="1" dur="indefinite" restart="never" nodeType="tmRoot"/>
+      </p:par>
+    </p:tnLst>
+  </p:timing>
 </p:sld>
 </file>
 
@@ -5955,6 +6054,18 @@
   <p:clrMapOvr>
     <a:masterClrMapping/>
   </p:clrMapOvr>
+  <mc:AlternateContent xmlns:mc="http://schemas.openxmlformats.org/markup-compatibility/2006">
+    <mc:Choice xmlns:p14="http://schemas.microsoft.com/office/powerpoint/2010/main" Requires="p14">
+      <p:transition spd="slow" p14:dur="2000">
+        <p:cut/>
+      </p:transition>
+    </mc:Choice>
+    <mc:Fallback>
+      <p:transition spd="slow">
+        <p:cut/>
+      </p:transition>
+    </mc:Fallback>
+  </mc:AlternateContent>
 </p:sld>
 </file>
 

--- a/Pitch1.pptx
+++ b/Pitch1.pptx
@@ -4,12 +4,16 @@
   <p:sldMasterIdLst>
     <p:sldMasterId id="2147483660" r:id="rId1"/>
   </p:sldMasterIdLst>
+  <p:notesMasterIdLst>
+    <p:notesMasterId r:id="rId8"/>
+  </p:notesMasterIdLst>
   <p:sldIdLst>
     <p:sldId id="256" r:id="rId2"/>
     <p:sldId id="257" r:id="rId3"/>
-    <p:sldId id="260" r:id="rId4"/>
+    <p:sldId id="261" r:id="rId4"/>
     <p:sldId id="259" r:id="rId5"/>
-    <p:sldId id="258" r:id="rId6"/>
+    <p:sldId id="260" r:id="rId6"/>
+    <p:sldId id="258" r:id="rId7"/>
   </p:sldIdLst>
   <p:sldSz cx="12192000" cy="6858000"/>
   <p:notesSz cx="6858000" cy="9144000"/>
@@ -116,6 +120,440 @@
 </p:presentation>
 </file>
 
+<file path=ppt/notesMasters/notesMaster1.xml><?xml version="1.0" encoding="utf-8"?>
+<p:notesMaster xmlns:a="http://schemas.openxmlformats.org/drawingml/2006/main" xmlns:r="http://schemas.openxmlformats.org/officeDocument/2006/relationships" xmlns:p="http://schemas.openxmlformats.org/presentationml/2006/main">
+  <p:cSld>
+    <p:bg>
+      <p:bgRef idx="1001">
+        <a:schemeClr val="bg1"/>
+      </p:bgRef>
+    </p:bg>
+    <p:spTree>
+      <p:nvGrpSpPr>
+        <p:cNvPr id="1" name=""/>
+        <p:cNvGrpSpPr/>
+        <p:nvPr/>
+      </p:nvGrpSpPr>
+      <p:grpSpPr>
+        <a:xfrm>
+          <a:off x="0" y="0"/>
+          <a:ext cx="0" cy="0"/>
+          <a:chOff x="0" y="0"/>
+          <a:chExt cx="0" cy="0"/>
+        </a:xfrm>
+      </p:grpSpPr>
+      <p:sp>
+        <p:nvSpPr>
+          <p:cNvPr id="2" name="頁首版面配置區 1"/>
+          <p:cNvSpPr>
+            <a:spLocks noGrp="1"/>
+          </p:cNvSpPr>
+          <p:nvPr>
+            <p:ph type="hdr" sz="quarter"/>
+          </p:nvPr>
+        </p:nvSpPr>
+        <p:spPr>
+          <a:xfrm>
+            <a:off x="0" y="0"/>
+            <a:ext cx="2971800" cy="458788"/>
+          </a:xfrm>
+          <a:prstGeom prst="rect">
+            <a:avLst/>
+          </a:prstGeom>
+        </p:spPr>
+        <p:txBody>
+          <a:bodyPr vert="horz" lIns="91440" tIns="45720" rIns="91440" bIns="45720" rtlCol="0"/>
+          <a:lstStyle>
+            <a:lvl1pPr algn="l">
+              <a:defRPr sz="1200"/>
+            </a:lvl1pPr>
+          </a:lstStyle>
+          <a:p>
+            <a:endParaRPr lang="zh-TW" altLang="en-US"/>
+          </a:p>
+        </p:txBody>
+      </p:sp>
+      <p:sp>
+        <p:nvSpPr>
+          <p:cNvPr id="3" name="日期版面配置區 2"/>
+          <p:cNvSpPr>
+            <a:spLocks noGrp="1"/>
+          </p:cNvSpPr>
+          <p:nvPr>
+            <p:ph type="dt" idx="1"/>
+          </p:nvPr>
+        </p:nvSpPr>
+        <p:spPr>
+          <a:xfrm>
+            <a:off x="3884613" y="0"/>
+            <a:ext cx="2971800" cy="458788"/>
+          </a:xfrm>
+          <a:prstGeom prst="rect">
+            <a:avLst/>
+          </a:prstGeom>
+        </p:spPr>
+        <p:txBody>
+          <a:bodyPr vert="horz" lIns="91440" tIns="45720" rIns="91440" bIns="45720" rtlCol="0"/>
+          <a:lstStyle>
+            <a:lvl1pPr algn="r">
+              <a:defRPr sz="1200"/>
+            </a:lvl1pPr>
+          </a:lstStyle>
+          <a:p>
+            <a:fld id="{F48DF4E1-3114-47C6-BD35-0BB41D8E9DD6}" type="datetimeFigureOut">
+              <a:rPr lang="zh-TW" altLang="en-US" smtClean="0"/>
+              <a:t>2019/1/24</a:t>
+            </a:fld>
+            <a:endParaRPr lang="zh-TW" altLang="en-US"/>
+          </a:p>
+        </p:txBody>
+      </p:sp>
+      <p:sp>
+        <p:nvSpPr>
+          <p:cNvPr id="4" name="投影片圖像版面配置區 3"/>
+          <p:cNvSpPr>
+            <a:spLocks noGrp="1" noRot="1" noChangeAspect="1"/>
+          </p:cNvSpPr>
+          <p:nvPr>
+            <p:ph type="sldImg" idx="2"/>
+          </p:nvPr>
+        </p:nvSpPr>
+        <p:spPr>
+          <a:xfrm>
+            <a:off x="685800" y="1143000"/>
+            <a:ext cx="5486400" cy="3086100"/>
+          </a:xfrm>
+          <a:prstGeom prst="rect">
+            <a:avLst/>
+          </a:prstGeom>
+          <a:noFill/>
+          <a:ln w="12700">
+            <a:solidFill>
+              <a:prstClr val="black"/>
+            </a:solidFill>
+          </a:ln>
+        </p:spPr>
+        <p:txBody>
+          <a:bodyPr vert="horz" lIns="91440" tIns="45720" rIns="91440" bIns="45720" rtlCol="0" anchor="ctr"/>
+          <a:lstStyle/>
+          <a:p>
+            <a:endParaRPr lang="zh-TW" altLang="en-US"/>
+          </a:p>
+        </p:txBody>
+      </p:sp>
+      <p:sp>
+        <p:nvSpPr>
+          <p:cNvPr id="5" name="備忘稿版面配置區 4"/>
+          <p:cNvSpPr>
+            <a:spLocks noGrp="1"/>
+          </p:cNvSpPr>
+          <p:nvPr>
+            <p:ph type="body" sz="quarter" idx="3"/>
+          </p:nvPr>
+        </p:nvSpPr>
+        <p:spPr>
+          <a:xfrm>
+            <a:off x="685800" y="4400550"/>
+            <a:ext cx="5486400" cy="3600450"/>
+          </a:xfrm>
+          <a:prstGeom prst="rect">
+            <a:avLst/>
+          </a:prstGeom>
+        </p:spPr>
+        <p:txBody>
+          <a:bodyPr vert="horz" lIns="91440" tIns="45720" rIns="91440" bIns="45720" rtlCol="0"/>
+          <a:lstStyle/>
+          <a:p>
+            <a:pPr lvl="0"/>
+            <a:r>
+              <a:rPr lang="zh-TW" altLang="en-US" smtClean="0"/>
+              <a:t>編輯母片文字樣式</a:t>
+            </a:r>
+          </a:p>
+          <a:p>
+            <a:pPr lvl="1"/>
+            <a:r>
+              <a:rPr lang="zh-TW" altLang="en-US" smtClean="0"/>
+              <a:t>第二層</a:t>
+            </a:r>
+          </a:p>
+          <a:p>
+            <a:pPr lvl="2"/>
+            <a:r>
+              <a:rPr lang="zh-TW" altLang="en-US" smtClean="0"/>
+              <a:t>第三層</a:t>
+            </a:r>
+          </a:p>
+          <a:p>
+            <a:pPr lvl="3"/>
+            <a:r>
+              <a:rPr lang="zh-TW" altLang="en-US" smtClean="0"/>
+              <a:t>第四層</a:t>
+            </a:r>
+          </a:p>
+          <a:p>
+            <a:pPr lvl="4"/>
+            <a:r>
+              <a:rPr lang="zh-TW" altLang="en-US" smtClean="0"/>
+              <a:t>第五層</a:t>
+            </a:r>
+            <a:endParaRPr lang="zh-TW" altLang="en-US"/>
+          </a:p>
+        </p:txBody>
+      </p:sp>
+      <p:sp>
+        <p:nvSpPr>
+          <p:cNvPr id="6" name="頁尾版面配置區 5"/>
+          <p:cNvSpPr>
+            <a:spLocks noGrp="1"/>
+          </p:cNvSpPr>
+          <p:nvPr>
+            <p:ph type="ftr" sz="quarter" idx="4"/>
+          </p:nvPr>
+        </p:nvSpPr>
+        <p:spPr>
+          <a:xfrm>
+            <a:off x="0" y="8685213"/>
+            <a:ext cx="2971800" cy="458787"/>
+          </a:xfrm>
+          <a:prstGeom prst="rect">
+            <a:avLst/>
+          </a:prstGeom>
+        </p:spPr>
+        <p:txBody>
+          <a:bodyPr vert="horz" lIns="91440" tIns="45720" rIns="91440" bIns="45720" rtlCol="0" anchor="b"/>
+          <a:lstStyle>
+            <a:lvl1pPr algn="l">
+              <a:defRPr sz="1200"/>
+            </a:lvl1pPr>
+          </a:lstStyle>
+          <a:p>
+            <a:endParaRPr lang="zh-TW" altLang="en-US"/>
+          </a:p>
+        </p:txBody>
+      </p:sp>
+      <p:sp>
+        <p:nvSpPr>
+          <p:cNvPr id="7" name="投影片編號版面配置區 6"/>
+          <p:cNvSpPr>
+            <a:spLocks noGrp="1"/>
+          </p:cNvSpPr>
+          <p:nvPr>
+            <p:ph type="sldNum" sz="quarter" idx="5"/>
+          </p:nvPr>
+        </p:nvSpPr>
+        <p:spPr>
+          <a:xfrm>
+            <a:off x="3884613" y="8685213"/>
+            <a:ext cx="2971800" cy="458787"/>
+          </a:xfrm>
+          <a:prstGeom prst="rect">
+            <a:avLst/>
+          </a:prstGeom>
+        </p:spPr>
+        <p:txBody>
+          <a:bodyPr vert="horz" lIns="91440" tIns="45720" rIns="91440" bIns="45720" rtlCol="0" anchor="b"/>
+          <a:lstStyle>
+            <a:lvl1pPr algn="r">
+              <a:defRPr sz="1200"/>
+            </a:lvl1pPr>
+          </a:lstStyle>
+          <a:p>
+            <a:fld id="{117CEB6A-35A9-4BDA-B511-DD57DE5F984A}" type="slidenum">
+              <a:rPr lang="zh-TW" altLang="en-US" smtClean="0"/>
+              <a:t>‹#›</a:t>
+            </a:fld>
+            <a:endParaRPr lang="zh-TW" altLang="en-US"/>
+          </a:p>
+        </p:txBody>
+      </p:sp>
+    </p:spTree>
+    <p:extLst>
+      <p:ext uri="{BB962C8B-B14F-4D97-AF65-F5344CB8AC3E}">
+        <p14:creationId xmlns:p14="http://schemas.microsoft.com/office/powerpoint/2010/main" val="1026253767"/>
+      </p:ext>
+    </p:extLst>
+  </p:cSld>
+  <p:clrMap bg1="lt1" tx1="dk1" bg2="lt2" tx2="dk2" accent1="accent1" accent2="accent2" accent3="accent3" accent4="accent4" accent5="accent5" accent6="accent6" hlink="hlink" folHlink="folHlink"/>
+  <p:notesStyle>
+    <a:lvl1pPr marL="0" algn="l" defTabSz="914400" rtl="0" eaLnBrk="1" latinLnBrk="0" hangingPunct="1">
+      <a:defRPr sz="1200" kern="1200">
+        <a:solidFill>
+          <a:schemeClr val="tx1"/>
+        </a:solidFill>
+        <a:latin typeface="+mn-lt"/>
+        <a:ea typeface="+mn-ea"/>
+        <a:cs typeface="+mn-cs"/>
+      </a:defRPr>
+    </a:lvl1pPr>
+    <a:lvl2pPr marL="457200" algn="l" defTabSz="914400" rtl="0" eaLnBrk="1" latinLnBrk="0" hangingPunct="1">
+      <a:defRPr sz="1200" kern="1200">
+        <a:solidFill>
+          <a:schemeClr val="tx1"/>
+        </a:solidFill>
+        <a:latin typeface="+mn-lt"/>
+        <a:ea typeface="+mn-ea"/>
+        <a:cs typeface="+mn-cs"/>
+      </a:defRPr>
+    </a:lvl2pPr>
+    <a:lvl3pPr marL="914400" algn="l" defTabSz="914400" rtl="0" eaLnBrk="1" latinLnBrk="0" hangingPunct="1">
+      <a:defRPr sz="1200" kern="1200">
+        <a:solidFill>
+          <a:schemeClr val="tx1"/>
+        </a:solidFill>
+        <a:latin typeface="+mn-lt"/>
+        <a:ea typeface="+mn-ea"/>
+        <a:cs typeface="+mn-cs"/>
+      </a:defRPr>
+    </a:lvl3pPr>
+    <a:lvl4pPr marL="1371600" algn="l" defTabSz="914400" rtl="0" eaLnBrk="1" latinLnBrk="0" hangingPunct="1">
+      <a:defRPr sz="1200" kern="1200">
+        <a:solidFill>
+          <a:schemeClr val="tx1"/>
+        </a:solidFill>
+        <a:latin typeface="+mn-lt"/>
+        <a:ea typeface="+mn-ea"/>
+        <a:cs typeface="+mn-cs"/>
+      </a:defRPr>
+    </a:lvl4pPr>
+    <a:lvl5pPr marL="1828800" algn="l" defTabSz="914400" rtl="0" eaLnBrk="1" latinLnBrk="0" hangingPunct="1">
+      <a:defRPr sz="1200" kern="1200">
+        <a:solidFill>
+          <a:schemeClr val="tx1"/>
+        </a:solidFill>
+        <a:latin typeface="+mn-lt"/>
+        <a:ea typeface="+mn-ea"/>
+        <a:cs typeface="+mn-cs"/>
+      </a:defRPr>
+    </a:lvl5pPr>
+    <a:lvl6pPr marL="2286000" algn="l" defTabSz="914400" rtl="0" eaLnBrk="1" latinLnBrk="0" hangingPunct="1">
+      <a:defRPr sz="1200" kern="1200">
+        <a:solidFill>
+          <a:schemeClr val="tx1"/>
+        </a:solidFill>
+        <a:latin typeface="+mn-lt"/>
+        <a:ea typeface="+mn-ea"/>
+        <a:cs typeface="+mn-cs"/>
+      </a:defRPr>
+    </a:lvl6pPr>
+    <a:lvl7pPr marL="2743200" algn="l" defTabSz="914400" rtl="0" eaLnBrk="1" latinLnBrk="0" hangingPunct="1">
+      <a:defRPr sz="1200" kern="1200">
+        <a:solidFill>
+          <a:schemeClr val="tx1"/>
+        </a:solidFill>
+        <a:latin typeface="+mn-lt"/>
+        <a:ea typeface="+mn-ea"/>
+        <a:cs typeface="+mn-cs"/>
+      </a:defRPr>
+    </a:lvl7pPr>
+    <a:lvl8pPr marL="3200400" algn="l" defTabSz="914400" rtl="0" eaLnBrk="1" latinLnBrk="0" hangingPunct="1">
+      <a:defRPr sz="1200" kern="1200">
+        <a:solidFill>
+          <a:schemeClr val="tx1"/>
+        </a:solidFill>
+        <a:latin typeface="+mn-lt"/>
+        <a:ea typeface="+mn-ea"/>
+        <a:cs typeface="+mn-cs"/>
+      </a:defRPr>
+    </a:lvl8pPr>
+    <a:lvl9pPr marL="3657600" algn="l" defTabSz="914400" rtl="0" eaLnBrk="1" latinLnBrk="0" hangingPunct="1">
+      <a:defRPr sz="1200" kern="1200">
+        <a:solidFill>
+          <a:schemeClr val="tx1"/>
+        </a:solidFill>
+        <a:latin typeface="+mn-lt"/>
+        <a:ea typeface="+mn-ea"/>
+        <a:cs typeface="+mn-cs"/>
+      </a:defRPr>
+    </a:lvl9pPr>
+  </p:notesStyle>
+</p:notesMaster>
+</file>
+
+<file path=ppt/notesSlides/notesSlide1.xml><?xml version="1.0" encoding="utf-8"?>
+<p:notes xmlns:a="http://schemas.openxmlformats.org/drawingml/2006/main" xmlns:r="http://schemas.openxmlformats.org/officeDocument/2006/relationships" xmlns:p="http://schemas.openxmlformats.org/presentationml/2006/main">
+  <p:cSld>
+    <p:spTree>
+      <p:nvGrpSpPr>
+        <p:cNvPr id="1" name=""/>
+        <p:cNvGrpSpPr/>
+        <p:nvPr/>
+      </p:nvGrpSpPr>
+      <p:grpSpPr>
+        <a:xfrm>
+          <a:off x="0" y="0"/>
+          <a:ext cx="0" cy="0"/>
+          <a:chOff x="0" y="0"/>
+          <a:chExt cx="0" cy="0"/>
+        </a:xfrm>
+      </p:grpSpPr>
+      <p:sp>
+        <p:nvSpPr>
+          <p:cNvPr id="2" name="投影片圖像版面配置區 1"/>
+          <p:cNvSpPr>
+            <a:spLocks noGrp="1" noRot="1" noChangeAspect="1"/>
+          </p:cNvSpPr>
+          <p:nvPr>
+            <p:ph type="sldImg"/>
+          </p:nvPr>
+        </p:nvSpPr>
+        <p:spPr/>
+      </p:sp>
+      <p:sp>
+        <p:nvSpPr>
+          <p:cNvPr id="3" name="備忘稿版面配置區 2"/>
+          <p:cNvSpPr>
+            <a:spLocks noGrp="1"/>
+          </p:cNvSpPr>
+          <p:nvPr>
+            <p:ph type="body" idx="1"/>
+          </p:nvPr>
+        </p:nvSpPr>
+        <p:spPr/>
+        <p:txBody>
+          <a:bodyPr/>
+          <a:lstStyle/>
+          <a:p>
+            <a:endParaRPr lang="zh-TW" altLang="en-US" dirty="0"/>
+          </a:p>
+        </p:txBody>
+      </p:sp>
+      <p:sp>
+        <p:nvSpPr>
+          <p:cNvPr id="4" name="投影片編號版面配置區 3"/>
+          <p:cNvSpPr>
+            <a:spLocks noGrp="1"/>
+          </p:cNvSpPr>
+          <p:nvPr>
+            <p:ph type="sldNum" sz="quarter" idx="10"/>
+          </p:nvPr>
+        </p:nvSpPr>
+        <p:spPr/>
+        <p:txBody>
+          <a:bodyPr/>
+          <a:lstStyle/>
+          <a:p>
+            <a:fld id="{117CEB6A-35A9-4BDA-B511-DD57DE5F984A}" type="slidenum">
+              <a:rPr lang="zh-TW" altLang="en-US" smtClean="0"/>
+              <a:t>6</a:t>
+            </a:fld>
+            <a:endParaRPr lang="zh-TW" altLang="en-US"/>
+          </a:p>
+        </p:txBody>
+      </p:sp>
+    </p:spTree>
+    <p:extLst>
+      <p:ext uri="{BB962C8B-B14F-4D97-AF65-F5344CB8AC3E}">
+        <p14:creationId xmlns:p14="http://schemas.microsoft.com/office/powerpoint/2010/main" val="1314841880"/>
+      </p:ext>
+    </p:extLst>
+  </p:cSld>
+  <p:clrMapOvr>
+    <a:masterClrMapping/>
+  </p:clrMapOvr>
+</p:notes>
+</file>
+
 <file path=ppt/slideLayouts/slideLayout1.xml><?xml version="1.0" encoding="utf-8"?>
 <p:sldLayout xmlns:a="http://schemas.openxmlformats.org/drawingml/2006/main" xmlns:r="http://schemas.openxmlformats.org/officeDocument/2006/relationships" xmlns:p="http://schemas.openxmlformats.org/presentationml/2006/main" showMasterSp="0" type="title" preserve="1">
   <p:cSld name="標題投影片">
@@ -307,7 +745,7 @@
           <a:p>
             <a:fld id="{680594FE-C3CD-4B59-B20C-1FE64225ACE6}" type="datetimeFigureOut">
               <a:rPr lang="zh-TW" altLang="en-US" smtClean="0"/>
-              <a:t>2019/1/22</a:t>
+              <a:t>2019/1/24</a:t>
             </a:fld>
             <a:endParaRPr lang="zh-TW" altLang="en-US"/>
           </a:p>
@@ -743,7 +1181,7 @@
           <a:p>
             <a:fld id="{680594FE-C3CD-4B59-B20C-1FE64225ACE6}" type="datetimeFigureOut">
               <a:rPr lang="zh-TW" altLang="en-US" smtClean="0"/>
-              <a:t>2019/1/22</a:t>
+              <a:t>2019/1/24</a:t>
             </a:fld>
             <a:endParaRPr lang="zh-TW" altLang="en-US"/>
           </a:p>
@@ -993,7 +1431,7 @@
           <a:p>
             <a:fld id="{680594FE-C3CD-4B59-B20C-1FE64225ACE6}" type="datetimeFigureOut">
               <a:rPr lang="zh-TW" altLang="en-US" smtClean="0"/>
-              <a:t>2019/1/22</a:t>
+              <a:t>2019/1/24</a:t>
             </a:fld>
             <a:endParaRPr lang="zh-TW" altLang="en-US"/>
           </a:p>
@@ -1301,7 +1739,7 @@
           <a:p>
             <a:fld id="{680594FE-C3CD-4B59-B20C-1FE64225ACE6}" type="datetimeFigureOut">
               <a:rPr lang="zh-TW" altLang="en-US" smtClean="0"/>
-              <a:t>2019/1/22</a:t>
+              <a:t>2019/1/24</a:t>
             </a:fld>
             <a:endParaRPr lang="zh-TW" altLang="en-US"/>
           </a:p>
@@ -1619,7 +2057,7 @@
           <a:p>
             <a:fld id="{680594FE-C3CD-4B59-B20C-1FE64225ACE6}" type="datetimeFigureOut">
               <a:rPr lang="zh-TW" altLang="en-US" smtClean="0"/>
-              <a:t>2019/1/22</a:t>
+              <a:t>2019/1/24</a:t>
             </a:fld>
             <a:endParaRPr lang="zh-TW" altLang="en-US"/>
           </a:p>
@@ -1921,7 +2359,7 @@
           <a:p>
             <a:fld id="{680594FE-C3CD-4B59-B20C-1FE64225ACE6}" type="datetimeFigureOut">
               <a:rPr lang="zh-TW" altLang="en-US" smtClean="0"/>
-              <a:t>2019/1/22</a:t>
+              <a:t>2019/1/24</a:t>
             </a:fld>
             <a:endParaRPr lang="zh-TW" altLang="en-US"/>
           </a:p>
@@ -2288,7 +2726,7 @@
           <a:p>
             <a:fld id="{680594FE-C3CD-4B59-B20C-1FE64225ACE6}" type="datetimeFigureOut">
               <a:rPr lang="zh-TW" altLang="en-US" smtClean="0"/>
-              <a:t>2019/1/22</a:t>
+              <a:t>2019/1/24</a:t>
             </a:fld>
             <a:endParaRPr lang="zh-TW" altLang="en-US"/>
           </a:p>
@@ -2462,7 +2900,7 @@
           <a:p>
             <a:fld id="{680594FE-C3CD-4B59-B20C-1FE64225ACE6}" type="datetimeFigureOut">
               <a:rPr lang="zh-TW" altLang="en-US" smtClean="0"/>
-              <a:t>2019/1/22</a:t>
+              <a:t>2019/1/24</a:t>
             </a:fld>
             <a:endParaRPr lang="zh-TW" altLang="en-US"/>
           </a:p>
@@ -2642,7 +3080,7 @@
           <a:p>
             <a:fld id="{680594FE-C3CD-4B59-B20C-1FE64225ACE6}" type="datetimeFigureOut">
               <a:rPr lang="zh-TW" altLang="en-US" smtClean="0"/>
-              <a:t>2019/1/22</a:t>
+              <a:t>2019/1/24</a:t>
             </a:fld>
             <a:endParaRPr lang="zh-TW" altLang="en-US"/>
           </a:p>
@@ -2812,7 +3250,7 @@
           <a:p>
             <a:fld id="{680594FE-C3CD-4B59-B20C-1FE64225ACE6}" type="datetimeFigureOut">
               <a:rPr lang="zh-TW" altLang="en-US" smtClean="0"/>
-              <a:t>2019/1/22</a:t>
+              <a:t>2019/1/24</a:t>
             </a:fld>
             <a:endParaRPr lang="zh-TW" altLang="en-US"/>
           </a:p>
@@ -3062,7 +3500,7 @@
           <a:p>
             <a:fld id="{680594FE-C3CD-4B59-B20C-1FE64225ACE6}" type="datetimeFigureOut">
               <a:rPr lang="zh-TW" altLang="en-US" smtClean="0"/>
-              <a:t>2019/1/22</a:t>
+              <a:t>2019/1/24</a:t>
             </a:fld>
             <a:endParaRPr lang="zh-TW" altLang="en-US"/>
           </a:p>
@@ -3298,7 +3736,7 @@
           <a:p>
             <a:fld id="{680594FE-C3CD-4B59-B20C-1FE64225ACE6}" type="datetimeFigureOut">
               <a:rPr lang="zh-TW" altLang="en-US" smtClean="0"/>
-              <a:t>2019/1/22</a:t>
+              <a:t>2019/1/24</a:t>
             </a:fld>
             <a:endParaRPr lang="zh-TW" altLang="en-US"/>
           </a:p>
@@ -3680,7 +4118,7 @@
           <a:p>
             <a:fld id="{680594FE-C3CD-4B59-B20C-1FE64225ACE6}" type="datetimeFigureOut">
               <a:rPr lang="zh-TW" altLang="en-US" smtClean="0"/>
-              <a:t>2019/1/22</a:t>
+              <a:t>2019/1/24</a:t>
             </a:fld>
             <a:endParaRPr lang="zh-TW" altLang="en-US"/>
           </a:p>
@@ -3798,7 +4236,7 @@
           <a:p>
             <a:fld id="{680594FE-C3CD-4B59-B20C-1FE64225ACE6}" type="datetimeFigureOut">
               <a:rPr lang="zh-TW" altLang="en-US" smtClean="0"/>
-              <a:t>2019/1/22</a:t>
+              <a:t>2019/1/24</a:t>
             </a:fld>
             <a:endParaRPr lang="zh-TW" altLang="en-US"/>
           </a:p>
@@ -3893,7 +4331,7 @@
           <a:p>
             <a:fld id="{680594FE-C3CD-4B59-B20C-1FE64225ACE6}" type="datetimeFigureOut">
               <a:rPr lang="zh-TW" altLang="en-US" smtClean="0"/>
-              <a:t>2019/1/22</a:t>
+              <a:t>2019/1/24</a:t>
             </a:fld>
             <a:endParaRPr lang="zh-TW" altLang="en-US"/>
           </a:p>
@@ -4148,7 +4586,7 @@
           <a:p>
             <a:fld id="{680594FE-C3CD-4B59-B20C-1FE64225ACE6}" type="datetimeFigureOut">
               <a:rPr lang="zh-TW" altLang="en-US" smtClean="0"/>
-              <a:t>2019/1/22</a:t>
+              <a:t>2019/1/24</a:t>
             </a:fld>
             <a:endParaRPr lang="zh-TW" altLang="en-US"/>
           </a:p>
@@ -4431,7 +4869,7 @@
           <a:p>
             <a:fld id="{680594FE-C3CD-4B59-B20C-1FE64225ACE6}" type="datetimeFigureOut">
               <a:rPr lang="zh-TW" altLang="en-US" smtClean="0"/>
-              <a:t>2019/1/22</a:t>
+              <a:t>2019/1/24</a:t>
             </a:fld>
             <a:endParaRPr lang="zh-TW" altLang="en-US"/>
           </a:p>
@@ -4837,7 +5275,7 @@
           <a:p>
             <a:fld id="{680594FE-C3CD-4B59-B20C-1FE64225ACE6}" type="datetimeFigureOut">
               <a:rPr lang="zh-TW" altLang="en-US" smtClean="0"/>
-              <a:t>2019/1/22</a:t>
+              <a:t>2019/1/24</a:t>
             </a:fld>
             <a:endParaRPr lang="zh-TW" altLang="en-US"/>
           </a:p>
@@ -5533,11 +5971,7 @@
             </a:r>
             <a:r>
               <a:rPr lang="zh-TW" altLang="en-US" dirty="0" smtClean="0"/>
-              <a:t>的快樂桌遊</a:t>
-            </a:r>
-            <a:r>
-              <a:rPr lang="zh-TW" altLang="en-US" dirty="0" smtClean="0"/>
-              <a:t>同伴</a:t>
+              <a:t>的快樂桌遊同伴</a:t>
             </a:r>
             <a:r>
               <a:rPr lang="en-US" altLang="zh-TW" dirty="0" smtClean="0"/>
@@ -5745,60 +6179,29 @@
       </p:grpSpPr>
       <p:sp>
         <p:nvSpPr>
-          <p:cNvPr id="2" name="標題 1"/>
-          <p:cNvSpPr>
-            <a:spLocks noGrp="1"/>
-          </p:cNvSpPr>
-          <p:nvPr>
-            <p:ph type="title"/>
+          <p:cNvPr id="3" name="內容版面配置區 2"/>
+          <p:cNvSpPr>
+            <a:spLocks noGrp="1"/>
+          </p:cNvSpPr>
+          <p:nvPr>
+            <p:ph idx="1"/>
           </p:nvPr>
         </p:nvSpPr>
         <p:spPr>
           <a:xfrm>
-            <a:off x="277812" y="4792132"/>
-            <a:ext cx="8534400" cy="1507067"/>
-          </a:xfrm>
-        </p:spPr>
-        <p:txBody>
-          <a:bodyPr/>
-          <a:lstStyle/>
-          <a:p>
-            <a:r>
-              <a:rPr lang="zh-TW" altLang="en-US" dirty="0" smtClean="0"/>
-              <a:t>統計偏好類型與人數間的關係</a:t>
-            </a:r>
-            <a:endParaRPr lang="zh-TW" altLang="en-US" dirty="0"/>
-          </a:p>
-        </p:txBody>
-      </p:sp>
-      <p:sp>
-        <p:nvSpPr>
-          <p:cNvPr id="3" name="內容版面配置區 2"/>
-          <p:cNvSpPr>
-            <a:spLocks noGrp="1"/>
-          </p:cNvSpPr>
-          <p:nvPr>
-            <p:ph idx="1"/>
-          </p:nvPr>
-        </p:nvSpPr>
-        <p:spPr>
-          <a:xfrm>
-            <a:off x="0" y="270163"/>
-            <a:ext cx="1015279" cy="3615267"/>
+            <a:off x="185809" y="427182"/>
+            <a:ext cx="996806" cy="3615267"/>
           </a:xfrm>
         </p:spPr>
         <p:txBody>
           <a:bodyPr>
-            <a:normAutofit fontScale="92500" lnSpcReduction="10000"/>
+            <a:normAutofit/>
           </a:bodyPr>
           <a:lstStyle/>
           <a:p>
-            <a:endParaRPr lang="en-US" altLang="zh-TW" dirty="0" smtClean="0"/>
-          </a:p>
-          <a:p>
             <a:r>
               <a:rPr lang="zh-TW" altLang="en-US" sz="4000" dirty="0" smtClean="0"/>
-              <a:t>愛好遊戲統計</a:t>
+              <a:t>偏好類型</a:t>
             </a:r>
             <a:endParaRPr lang="zh-TW" altLang="en-US" sz="4000" dirty="0"/>
           </a:p>
@@ -5820,7 +6223,31 @@
         </p:blipFill>
         <p:spPr>
           <a:xfrm>
-            <a:off x="9282112" y="826654"/>
+            <a:off x="1520969" y="118918"/>
+            <a:ext cx="8429625" cy="5715000"/>
+          </a:xfrm>
+          <a:prstGeom prst="rect">
+            <a:avLst/>
+          </a:prstGeom>
+        </p:spPr>
+      </p:pic>
+      <p:pic>
+        <p:nvPicPr>
+          <p:cNvPr id="5" name="圖片 4"/>
+          <p:cNvPicPr>
+            <a:picLocks noChangeAspect="1"/>
+          </p:cNvPicPr>
+          <p:nvPr/>
+        </p:nvPicPr>
+        <p:blipFill>
+          <a:blip r:embed="rId3"/>
+          <a:stretch>
+            <a:fillRect/>
+          </a:stretch>
+        </p:blipFill>
+        <p:spPr>
+          <a:xfrm>
+            <a:off x="10362839" y="2938318"/>
             <a:ext cx="1552575" cy="2895600"/>
           </a:xfrm>
           <a:prstGeom prst="rect">
@@ -5831,7 +6258,7 @@
     </p:spTree>
     <p:extLst>
       <p:ext uri="{BB962C8B-B14F-4D97-AF65-F5344CB8AC3E}">
-        <p14:creationId xmlns:p14="http://schemas.microsoft.com/office/powerpoint/2010/main" val="2399110011"/>
+        <p14:creationId xmlns:p14="http://schemas.microsoft.com/office/powerpoint/2010/main" val="1803091558"/>
       </p:ext>
     </p:extLst>
   </p:cSld>
@@ -5887,18 +6314,27 @@
             <p:ph type="title"/>
           </p:nvPr>
         </p:nvSpPr>
-        <p:spPr/>
+        <p:spPr>
+          <a:xfrm>
+            <a:off x="2668587" y="4311841"/>
+            <a:ext cx="9523413" cy="1507067"/>
+          </a:xfrm>
+        </p:spPr>
         <p:txBody>
           <a:bodyPr/>
           <a:lstStyle/>
           <a:p>
             <a:r>
+              <a:rPr lang="zh-TW" altLang="en-US" dirty="0" smtClean="0"/>
+              <a:t>男性</a:t>
+            </a:r>
+            <a:r>
               <a:rPr lang="en-US" altLang="zh-TW" dirty="0" smtClean="0"/>
-              <a:t>##</a:t>
+              <a:t>										</a:t>
             </a:r>
             <a:r>
               <a:rPr lang="zh-TW" altLang="en-US" dirty="0" smtClean="0"/>
-              <a:t>註解</a:t>
+              <a:t>女性</a:t>
             </a:r>
             <a:endParaRPr lang="zh-TW" altLang="en-US" dirty="0"/>
           </a:p>
@@ -5949,6 +6385,78 @@
           </a:p>
         </p:txBody>
       </p:sp>
+      <p:pic>
+        <p:nvPicPr>
+          <p:cNvPr id="4" name="圖片 3"/>
+          <p:cNvPicPr>
+            <a:picLocks noChangeAspect="1"/>
+          </p:cNvPicPr>
+          <p:nvPr/>
+        </p:nvPicPr>
+        <p:blipFill>
+          <a:blip r:embed="rId2"/>
+          <a:stretch>
+            <a:fillRect/>
+          </a:stretch>
+        </p:blipFill>
+        <p:spPr>
+          <a:xfrm>
+            <a:off x="1167533" y="801157"/>
+            <a:ext cx="5848350" cy="3686175"/>
+          </a:xfrm>
+          <a:prstGeom prst="rect">
+            <a:avLst/>
+          </a:prstGeom>
+        </p:spPr>
+      </p:pic>
+      <p:pic>
+        <p:nvPicPr>
+          <p:cNvPr id="5" name="圖片 4"/>
+          <p:cNvPicPr>
+            <a:picLocks noChangeAspect="1"/>
+          </p:cNvPicPr>
+          <p:nvPr/>
+        </p:nvPicPr>
+        <p:blipFill>
+          <a:blip r:embed="rId3"/>
+          <a:stretch>
+            <a:fillRect/>
+          </a:stretch>
+        </p:blipFill>
+        <p:spPr>
+          <a:xfrm>
+            <a:off x="7130471" y="801157"/>
+            <a:ext cx="4552950" cy="3648075"/>
+          </a:xfrm>
+          <a:prstGeom prst="rect">
+            <a:avLst/>
+          </a:prstGeom>
+        </p:spPr>
+      </p:pic>
+      <p:pic>
+        <p:nvPicPr>
+          <p:cNvPr id="6" name="圖片 5"/>
+          <p:cNvPicPr>
+            <a:picLocks noChangeAspect="1"/>
+          </p:cNvPicPr>
+          <p:nvPr/>
+        </p:nvPicPr>
+        <p:blipFill>
+          <a:blip r:embed="rId4"/>
+          <a:stretch>
+            <a:fillRect/>
+          </a:stretch>
+        </p:blipFill>
+        <p:spPr>
+          <a:xfrm>
+            <a:off x="5577896" y="3344718"/>
+            <a:ext cx="1552575" cy="2895600"/>
+          </a:xfrm>
+          <a:prstGeom prst="rect">
+            <a:avLst/>
+          </a:prstGeom>
+        </p:spPr>
+      </p:pic>
     </p:spTree>
     <p:extLst>
       <p:ext uri="{BB962C8B-B14F-4D97-AF65-F5344CB8AC3E}">
@@ -6008,18 +6516,19 @@
             <p:ph type="title"/>
           </p:nvPr>
         </p:nvSpPr>
-        <p:spPr/>
+        <p:spPr>
+          <a:xfrm>
+            <a:off x="277812" y="4792132"/>
+            <a:ext cx="8534400" cy="1507067"/>
+          </a:xfrm>
+        </p:spPr>
         <p:txBody>
           <a:bodyPr/>
           <a:lstStyle/>
           <a:p>
             <a:r>
-              <a:rPr lang="en-US" altLang="zh-TW" dirty="0" smtClean="0"/>
-              <a:t>##</a:t>
-            </a:r>
-            <a:r>
               <a:rPr lang="zh-TW" altLang="en-US" dirty="0" smtClean="0"/>
-              <a:t>註解</a:t>
+              <a:t>統計偏好類型與人數間的關係</a:t>
             </a:r>
             <a:endParaRPr lang="zh-TW" altLang="en-US" dirty="0"/>
           </a:p>
@@ -6035,15 +6544,311 @@
             <p:ph idx="1"/>
           </p:nvPr>
         </p:nvSpPr>
-        <p:spPr/>
+        <p:spPr>
+          <a:xfrm>
+            <a:off x="0" y="270163"/>
+            <a:ext cx="1015279" cy="3615267"/>
+          </a:xfrm>
+        </p:spPr>
+        <p:txBody>
+          <a:bodyPr>
+            <a:normAutofit fontScale="85000" lnSpcReduction="20000"/>
+          </a:bodyPr>
+          <a:lstStyle/>
+          <a:p>
+            <a:endParaRPr lang="en-US" altLang="zh-TW" dirty="0" smtClean="0"/>
+          </a:p>
+          <a:p>
+            <a:r>
+              <a:rPr lang="zh-TW" altLang="en-US" sz="4000" dirty="0" smtClean="0"/>
+              <a:t>偏好</a:t>
+            </a:r>
+            <a:r>
+              <a:rPr lang="en-US" altLang="zh-TW" sz="4000" dirty="0" smtClean="0"/>
+              <a:t>X</a:t>
+            </a:r>
+            <a:r>
+              <a:rPr lang="zh-TW" altLang="en-US" sz="4000" dirty="0" smtClean="0"/>
+              <a:t>接受金額</a:t>
+            </a:r>
+            <a:endParaRPr lang="zh-TW" altLang="en-US" sz="4000" dirty="0"/>
+          </a:p>
+        </p:txBody>
+      </p:sp>
+      <p:pic>
+        <p:nvPicPr>
+          <p:cNvPr id="4" name="圖片 3"/>
+          <p:cNvPicPr>
+            <a:picLocks noChangeAspect="1"/>
+          </p:cNvPicPr>
+          <p:nvPr/>
+        </p:nvPicPr>
+        <p:blipFill>
+          <a:blip r:embed="rId2"/>
+          <a:stretch>
+            <a:fillRect/>
+          </a:stretch>
+        </p:blipFill>
+        <p:spPr>
+          <a:xfrm>
+            <a:off x="9551408" y="3814618"/>
+            <a:ext cx="1552575" cy="2895600"/>
+          </a:xfrm>
+          <a:prstGeom prst="rect">
+            <a:avLst/>
+          </a:prstGeom>
+        </p:spPr>
+      </p:pic>
+      <p:pic>
+        <p:nvPicPr>
+          <p:cNvPr id="5" name="圖片 4"/>
+          <p:cNvPicPr>
+            <a:picLocks noChangeAspect="1"/>
+          </p:cNvPicPr>
+          <p:nvPr/>
+        </p:nvPicPr>
+        <p:blipFill>
+          <a:blip r:embed="rId3">
+            <a:extLst>
+              <a:ext uri="{28A0092B-C50C-407E-A947-70E740481C1C}">
+                <a14:useLocalDpi xmlns:a14="http://schemas.microsoft.com/office/drawing/2010/main" val="0"/>
+              </a:ext>
+            </a:extLst>
+          </a:blip>
+          <a:stretch>
+            <a:fillRect/>
+          </a:stretch>
+        </p:blipFill>
+        <p:spPr>
+          <a:xfrm>
+            <a:off x="2780146" y="153914"/>
+            <a:ext cx="6635826" cy="4270809"/>
+          </a:xfrm>
+          <a:prstGeom prst="rect">
+            <a:avLst/>
+          </a:prstGeom>
+        </p:spPr>
+      </p:pic>
+      <p:pic>
+        <p:nvPicPr>
+          <p:cNvPr id="6" name="圖片 5"/>
+          <p:cNvPicPr>
+            <a:picLocks noChangeAspect="1"/>
+          </p:cNvPicPr>
+          <p:nvPr/>
+        </p:nvPicPr>
+        <p:blipFill>
+          <a:blip r:embed="rId4"/>
+          <a:stretch>
+            <a:fillRect/>
+          </a:stretch>
+        </p:blipFill>
+        <p:spPr>
+          <a:xfrm>
+            <a:off x="1015279" y="1424131"/>
+            <a:ext cx="1724025" cy="1943100"/>
+          </a:xfrm>
+          <a:prstGeom prst="rect">
+            <a:avLst/>
+          </a:prstGeom>
+        </p:spPr>
+      </p:pic>
+    </p:spTree>
+    <p:extLst>
+      <p:ext uri="{BB962C8B-B14F-4D97-AF65-F5344CB8AC3E}">
+        <p14:creationId xmlns:p14="http://schemas.microsoft.com/office/powerpoint/2010/main" val="2399110011"/>
+      </p:ext>
+    </p:extLst>
+  </p:cSld>
+  <p:clrMapOvr>
+    <a:masterClrMapping/>
+  </p:clrMapOvr>
+  <mc:AlternateContent xmlns:mc="http://schemas.openxmlformats.org/markup-compatibility/2006">
+    <mc:Choice xmlns:p14="http://schemas.microsoft.com/office/powerpoint/2010/main" Requires="p14">
+      <p:transition spd="slow" p14:dur="2000">
+        <p:cut/>
+      </p:transition>
+    </mc:Choice>
+    <mc:Fallback>
+      <p:transition spd="slow">
+        <p:cut/>
+      </p:transition>
+    </mc:Fallback>
+  </mc:AlternateContent>
+  <p:timing>
+    <p:tnLst>
+      <p:par>
+        <p:cTn id="1" dur="indefinite" restart="never" nodeType="tmRoot"/>
+      </p:par>
+    </p:tnLst>
+  </p:timing>
+</p:sld>
+</file>
+
+<file path=ppt/slides/slide6.xml><?xml version="1.0" encoding="utf-8"?>
+<p:sld xmlns:a="http://schemas.openxmlformats.org/drawingml/2006/main" xmlns:r="http://schemas.openxmlformats.org/officeDocument/2006/relationships" xmlns:p="http://schemas.openxmlformats.org/presentationml/2006/main">
+  <p:cSld>
+    <p:spTree>
+      <p:nvGrpSpPr>
+        <p:cNvPr id="1" name=""/>
+        <p:cNvGrpSpPr/>
+        <p:nvPr/>
+      </p:nvGrpSpPr>
+      <p:grpSpPr>
+        <a:xfrm>
+          <a:off x="0" y="0"/>
+          <a:ext cx="0" cy="0"/>
+          <a:chOff x="0" y="0"/>
+          <a:chExt cx="0" cy="0"/>
+        </a:xfrm>
+      </p:grpSpPr>
+      <p:sp>
+        <p:nvSpPr>
+          <p:cNvPr id="2" name="標題 1"/>
+          <p:cNvSpPr>
+            <a:spLocks noGrp="1"/>
+          </p:cNvSpPr>
+          <p:nvPr>
+            <p:ph type="title"/>
+          </p:nvPr>
+        </p:nvSpPr>
+        <p:spPr>
+          <a:xfrm>
+            <a:off x="684212" y="4856786"/>
+            <a:ext cx="8534400" cy="1507067"/>
+          </a:xfrm>
+        </p:spPr>
         <p:txBody>
           <a:bodyPr/>
           <a:lstStyle/>
           <a:p>
+            <a:r>
+              <a:rPr lang="zh-TW" altLang="en-US" dirty="0"/>
+              <a:t>人數與時間的影響下，大家願意花多少？</a:t>
+            </a:r>
             <a:endParaRPr lang="zh-TW" altLang="en-US" dirty="0"/>
           </a:p>
         </p:txBody>
       </p:sp>
+      <p:sp>
+        <p:nvSpPr>
+          <p:cNvPr id="3" name="內容版面配置區 2"/>
+          <p:cNvSpPr>
+            <a:spLocks noGrp="1"/>
+          </p:cNvSpPr>
+          <p:nvPr>
+            <p:ph idx="1"/>
+          </p:nvPr>
+        </p:nvSpPr>
+        <p:spPr>
+          <a:xfrm>
+            <a:off x="157739" y="574964"/>
+            <a:ext cx="913679" cy="3615267"/>
+          </a:xfrm>
+        </p:spPr>
+        <p:txBody>
+          <a:bodyPr>
+            <a:normAutofit fontScale="85000" lnSpcReduction="20000"/>
+          </a:bodyPr>
+          <a:lstStyle/>
+          <a:p>
+            <a:endParaRPr lang="en-US" altLang="zh-TW" dirty="0" smtClean="0"/>
+          </a:p>
+          <a:p>
+            <a:r>
+              <a:rPr lang="zh-TW" altLang="en-US" sz="3500" dirty="0" smtClean="0"/>
+              <a:t>人數</a:t>
+            </a:r>
+            <a:r>
+              <a:rPr lang="en-US" altLang="zh-TW" sz="3500" dirty="0" smtClean="0"/>
+              <a:t>x</a:t>
+            </a:r>
+            <a:r>
+              <a:rPr lang="zh-TW" altLang="en-US" sz="3500" dirty="0" smtClean="0"/>
+              <a:t>時間↓ 金錢</a:t>
+            </a:r>
+            <a:endParaRPr lang="zh-TW" altLang="en-US" sz="3500" dirty="0"/>
+          </a:p>
+        </p:txBody>
+      </p:sp>
+      <p:pic>
+        <p:nvPicPr>
+          <p:cNvPr id="5" name="圖片 4"/>
+          <p:cNvPicPr>
+            <a:picLocks noChangeAspect="1"/>
+          </p:cNvPicPr>
+          <p:nvPr/>
+        </p:nvPicPr>
+        <p:blipFill>
+          <a:blip r:embed="rId3">
+            <a:extLst>
+              <a:ext uri="{28A0092B-C50C-407E-A947-70E740481C1C}">
+                <a14:useLocalDpi xmlns:a14="http://schemas.microsoft.com/office/drawing/2010/main" val="0"/>
+              </a:ext>
+            </a:extLst>
+          </a:blip>
+          <a:stretch>
+            <a:fillRect/>
+          </a:stretch>
+        </p:blipFill>
+        <p:spPr>
+          <a:xfrm>
+            <a:off x="3543544" y="286327"/>
+            <a:ext cx="7216936" cy="4321949"/>
+          </a:xfrm>
+          <a:prstGeom prst="rect">
+            <a:avLst/>
+          </a:prstGeom>
+        </p:spPr>
+      </p:pic>
+      <p:pic>
+        <p:nvPicPr>
+          <p:cNvPr id="6" name="圖片 5"/>
+          <p:cNvPicPr>
+            <a:picLocks noChangeAspect="1"/>
+          </p:cNvPicPr>
+          <p:nvPr/>
+        </p:nvPicPr>
+        <p:blipFill>
+          <a:blip r:embed="rId4"/>
+          <a:stretch>
+            <a:fillRect/>
+          </a:stretch>
+        </p:blipFill>
+        <p:spPr>
+          <a:xfrm>
+            <a:off x="9581139" y="4748306"/>
+            <a:ext cx="1323975" cy="1724025"/>
+          </a:xfrm>
+          <a:prstGeom prst="rect">
+            <a:avLst/>
+          </a:prstGeom>
+        </p:spPr>
+      </p:pic>
+      <p:pic>
+        <p:nvPicPr>
+          <p:cNvPr id="8" name="圖片 7"/>
+          <p:cNvPicPr>
+            <a:picLocks noChangeAspect="1"/>
+          </p:cNvPicPr>
+          <p:nvPr/>
+        </p:nvPicPr>
+        <p:blipFill>
+          <a:blip r:embed="rId5"/>
+          <a:stretch>
+            <a:fillRect/>
+          </a:stretch>
+        </p:blipFill>
+        <p:spPr>
+          <a:xfrm>
+            <a:off x="1522557" y="1959408"/>
+            <a:ext cx="1924050" cy="1590675"/>
+          </a:xfrm>
+          <a:prstGeom prst="rect">
+            <a:avLst/>
+          </a:prstGeom>
+        </p:spPr>
+      </p:pic>
     </p:spTree>
     <p:extLst>
       <p:ext uri="{BB962C8B-B14F-4D97-AF65-F5344CB8AC3E}">
@@ -6066,6 +6871,13 @@
       </p:transition>
     </mc:Fallback>
   </mc:AlternateContent>
+  <p:timing>
+    <p:tnLst>
+      <p:par>
+        <p:cTn id="1" dur="indefinite" restart="never" nodeType="tmRoot"/>
+      </p:par>
+    </p:tnLst>
+  </p:timing>
 </p:sld>
 </file>
 
@@ -6341,4 +7153,265 @@
     </a:ext>
   </a:extLst>
 </a:theme>
+</file>
+
+<file path=ppt/theme/theme2.xml><?xml version="1.0" encoding="utf-8"?>
+<a:theme xmlns:a="http://schemas.openxmlformats.org/drawingml/2006/main" name="Office 佈景主題">
+  <a:themeElements>
+    <a:clrScheme name="Office">
+      <a:dk1>
+        <a:sysClr val="windowText" lastClr="000000"/>
+      </a:dk1>
+      <a:lt1>
+        <a:sysClr val="window" lastClr="FFFFFF"/>
+      </a:lt1>
+      <a:dk2>
+        <a:srgbClr val="44546A"/>
+      </a:dk2>
+      <a:lt2>
+        <a:srgbClr val="E7E6E6"/>
+      </a:lt2>
+      <a:accent1>
+        <a:srgbClr val="5B9BD5"/>
+      </a:accent1>
+      <a:accent2>
+        <a:srgbClr val="ED7D31"/>
+      </a:accent2>
+      <a:accent3>
+        <a:srgbClr val="A5A5A5"/>
+      </a:accent3>
+      <a:accent4>
+        <a:srgbClr val="FFC000"/>
+      </a:accent4>
+      <a:accent5>
+        <a:srgbClr val="4472C4"/>
+      </a:accent5>
+      <a:accent6>
+        <a:srgbClr val="70AD47"/>
+      </a:accent6>
+      <a:hlink>
+        <a:srgbClr val="0563C1"/>
+      </a:hlink>
+      <a:folHlink>
+        <a:srgbClr val="954F72"/>
+      </a:folHlink>
+    </a:clrScheme>
+    <a:fontScheme name="Office">
+      <a:majorFont>
+        <a:latin typeface="Calibri Light" panose="020F0302020204030204"/>
+        <a:ea typeface=""/>
+        <a:cs typeface=""/>
+        <a:font script="Jpan" typeface="游ゴシック Light"/>
+        <a:font script="Hang" typeface="맑은 고딕"/>
+        <a:font script="Hans" typeface="等线 Light"/>
+        <a:font script="Hant" typeface="新細明體"/>
+        <a:font script="Arab" typeface="Times New Roman"/>
+        <a:font script="Hebr" typeface="Times New Roman"/>
+        <a:font script="Thai" typeface="Angsana New"/>
+        <a:font script="Ethi" typeface="Nyala"/>
+        <a:font script="Beng" typeface="Vrinda"/>
+        <a:font script="Gujr" typeface="Shruti"/>
+        <a:font script="Khmr" typeface="MoolBoran"/>
+        <a:font script="Knda" typeface="Tunga"/>
+        <a:font script="Guru" typeface="Raavi"/>
+        <a:font script="Cans" typeface="Euphemia"/>
+        <a:font script="Cher" typeface="Plantagenet Cherokee"/>
+        <a:font script="Yiii" typeface="Microsoft Yi Baiti"/>
+        <a:font script="Tibt" typeface="Microsoft Himalaya"/>
+        <a:font script="Thaa" typeface="MV Boli"/>
+        <a:font script="Deva" typeface="Mangal"/>
+        <a:font script="Telu" typeface="Gautami"/>
+        <a:font script="Taml" typeface="Latha"/>
+        <a:font script="Syrc" typeface="Estrangelo Edessa"/>
+        <a:font script="Orya" typeface="Kalinga"/>
+        <a:font script="Mlym" typeface="Kartika"/>
+        <a:font script="Laoo" typeface="DokChampa"/>
+        <a:font script="Sinh" typeface="Iskoola Pota"/>
+        <a:font script="Mong" typeface="Mongolian Baiti"/>
+        <a:font script="Viet" typeface="Times New Roman"/>
+        <a:font script="Uigh" typeface="Microsoft Uighur"/>
+        <a:font script="Geor" typeface="Sylfaen"/>
+      </a:majorFont>
+      <a:minorFont>
+        <a:latin typeface="Calibri" panose="020F0502020204030204"/>
+        <a:ea typeface=""/>
+        <a:cs typeface=""/>
+        <a:font script="Jpan" typeface="游ゴシック"/>
+        <a:font script="Hang" typeface="맑은 고딕"/>
+        <a:font script="Hans" typeface="等线"/>
+        <a:font script="Hant" typeface="新細明體"/>
+        <a:font script="Arab" typeface="Arial"/>
+        <a:font script="Hebr" typeface="Arial"/>
+        <a:font script="Thai" typeface="Cordia New"/>
+        <a:font script="Ethi" typeface="Nyala"/>
+        <a:font script="Beng" typeface="Vrinda"/>
+        <a:font script="Gujr" typeface="Shruti"/>
+        <a:font script="Khmr" typeface="DaunPenh"/>
+        <a:font script="Knda" typeface="Tunga"/>
+        <a:font script="Guru" typeface="Raavi"/>
+        <a:font script="Cans" typeface="Euphemia"/>
+        <a:font script="Cher" typeface="Plantagenet Cherokee"/>
+        <a:font script="Yiii" typeface="Microsoft Yi Baiti"/>
+        <a:font script="Tibt" typeface="Microsoft Himalaya"/>
+        <a:font script="Thaa" typeface="MV Boli"/>
+        <a:font script="Deva" typeface="Mangal"/>
+        <a:font script="Telu" typeface="Gautami"/>
+        <a:font script="Taml" typeface="Latha"/>
+        <a:font script="Syrc" typeface="Estrangelo Edessa"/>
+        <a:font script="Orya" typeface="Kalinga"/>
+        <a:font script="Mlym" typeface="Kartika"/>
+        <a:font script="Laoo" typeface="DokChampa"/>
+        <a:font script="Sinh" typeface="Iskoola Pota"/>
+        <a:font script="Mong" typeface="Mongolian Baiti"/>
+        <a:font script="Viet" typeface="Arial"/>
+        <a:font script="Uigh" typeface="Microsoft Uighur"/>
+        <a:font script="Geor" typeface="Sylfaen"/>
+      </a:minorFont>
+    </a:fontScheme>
+    <a:fmtScheme name="Office">
+      <a:fillStyleLst>
+        <a:solidFill>
+          <a:schemeClr val="phClr"/>
+        </a:solidFill>
+        <a:gradFill rotWithShape="1">
+          <a:gsLst>
+            <a:gs pos="0">
+              <a:schemeClr val="phClr">
+                <a:lumMod val="110000"/>
+                <a:satMod val="105000"/>
+                <a:tint val="67000"/>
+              </a:schemeClr>
+            </a:gs>
+            <a:gs pos="50000">
+              <a:schemeClr val="phClr">
+                <a:lumMod val="105000"/>
+                <a:satMod val="103000"/>
+                <a:tint val="73000"/>
+              </a:schemeClr>
+            </a:gs>
+            <a:gs pos="100000">
+              <a:schemeClr val="phClr">
+                <a:lumMod val="105000"/>
+                <a:satMod val="109000"/>
+                <a:tint val="81000"/>
+              </a:schemeClr>
+            </a:gs>
+          </a:gsLst>
+          <a:lin ang="5400000" scaled="0"/>
+        </a:gradFill>
+        <a:gradFill rotWithShape="1">
+          <a:gsLst>
+            <a:gs pos="0">
+              <a:schemeClr val="phClr">
+                <a:satMod val="103000"/>
+                <a:lumMod val="102000"/>
+                <a:tint val="94000"/>
+              </a:schemeClr>
+            </a:gs>
+            <a:gs pos="50000">
+              <a:schemeClr val="phClr">
+                <a:satMod val="110000"/>
+                <a:lumMod val="100000"/>
+                <a:shade val="100000"/>
+              </a:schemeClr>
+            </a:gs>
+            <a:gs pos="100000">
+              <a:schemeClr val="phClr">
+                <a:lumMod val="99000"/>
+                <a:satMod val="120000"/>
+                <a:shade val="78000"/>
+              </a:schemeClr>
+            </a:gs>
+          </a:gsLst>
+          <a:lin ang="5400000" scaled="0"/>
+        </a:gradFill>
+      </a:fillStyleLst>
+      <a:lnStyleLst>
+        <a:ln w="6350" cap="flat" cmpd="sng" algn="ctr">
+          <a:solidFill>
+            <a:schemeClr val="phClr"/>
+          </a:solidFill>
+          <a:prstDash val="solid"/>
+          <a:miter lim="800000"/>
+        </a:ln>
+        <a:ln w="12700" cap="flat" cmpd="sng" algn="ctr">
+          <a:solidFill>
+            <a:schemeClr val="phClr"/>
+          </a:solidFill>
+          <a:prstDash val="solid"/>
+          <a:miter lim="800000"/>
+        </a:ln>
+        <a:ln w="19050" cap="flat" cmpd="sng" algn="ctr">
+          <a:solidFill>
+            <a:schemeClr val="phClr"/>
+          </a:solidFill>
+          <a:prstDash val="solid"/>
+          <a:miter lim="800000"/>
+        </a:ln>
+      </a:lnStyleLst>
+      <a:effectStyleLst>
+        <a:effectStyle>
+          <a:effectLst/>
+        </a:effectStyle>
+        <a:effectStyle>
+          <a:effectLst/>
+        </a:effectStyle>
+        <a:effectStyle>
+          <a:effectLst>
+            <a:outerShdw blurRad="57150" dist="19050" dir="5400000" algn="ctr" rotWithShape="0">
+              <a:srgbClr val="000000">
+                <a:alpha val="63000"/>
+              </a:srgbClr>
+            </a:outerShdw>
+          </a:effectLst>
+        </a:effectStyle>
+      </a:effectStyleLst>
+      <a:bgFillStyleLst>
+        <a:solidFill>
+          <a:schemeClr val="phClr"/>
+        </a:solidFill>
+        <a:solidFill>
+          <a:schemeClr val="phClr">
+            <a:tint val="95000"/>
+            <a:satMod val="170000"/>
+          </a:schemeClr>
+        </a:solidFill>
+        <a:gradFill rotWithShape="1">
+          <a:gsLst>
+            <a:gs pos="0">
+              <a:schemeClr val="phClr">
+                <a:tint val="93000"/>
+                <a:satMod val="150000"/>
+                <a:shade val="98000"/>
+                <a:lumMod val="102000"/>
+              </a:schemeClr>
+            </a:gs>
+            <a:gs pos="50000">
+              <a:schemeClr val="phClr">
+                <a:tint val="98000"/>
+                <a:satMod val="130000"/>
+                <a:shade val="90000"/>
+                <a:lumMod val="103000"/>
+              </a:schemeClr>
+            </a:gs>
+            <a:gs pos="100000">
+              <a:schemeClr val="phClr">
+                <a:shade val="63000"/>
+                <a:satMod val="120000"/>
+              </a:schemeClr>
+            </a:gs>
+          </a:gsLst>
+          <a:lin ang="5400000" scaled="0"/>
+        </a:gradFill>
+      </a:bgFillStyleLst>
+    </a:fmtScheme>
+  </a:themeElements>
+  <a:objectDefaults/>
+  <a:extraClrSchemeLst/>
+  <a:extLst>
+    <a:ext uri="{05A4C25C-085E-4340-85A3-A5531E510DB2}">
+      <thm15:themeFamily xmlns:thm15="http://schemas.microsoft.com/office/thememl/2012/main" name="Office Theme" id="{62F939B6-93AF-4DB8-9C6B-D6C7DFDC589F}" vid="{4A3C46E8-61CC-4603-A589-7422A47A8E4A}"/>
+    </a:ext>
+  </a:extLst>
+</a:theme>
 </file>
--- a/Pitch1.pptx
+++ b/Pitch1.pptx
@@ -5,7 +5,7 @@
     <p:sldMasterId id="2147483660" r:id="rId1"/>
   </p:sldMasterIdLst>
   <p:notesMasterIdLst>
-    <p:notesMasterId r:id="rId8"/>
+    <p:notesMasterId r:id="rId9"/>
   </p:notesMasterIdLst>
   <p:sldIdLst>
     <p:sldId id="256" r:id="rId2"/>
@@ -14,6 +14,7 @@
     <p:sldId id="259" r:id="rId5"/>
     <p:sldId id="260" r:id="rId6"/>
     <p:sldId id="258" r:id="rId7"/>
+    <p:sldId id="262" r:id="rId8"/>
   </p:sldIdLst>
   <p:sldSz cx="12192000" cy="6858000"/>
   <p:notesSz cx="6858000" cy="9144000"/>
@@ -202,7 +203,7 @@
           <a:p>
             <a:fld id="{F48DF4E1-3114-47C6-BD35-0BB41D8E9DD6}" type="datetimeFigureOut">
               <a:rPr lang="zh-TW" altLang="en-US" smtClean="0"/>
-              <a:t>2019/1/24</a:t>
+              <a:t>2019/1/29</a:t>
             </a:fld>
             <a:endParaRPr lang="zh-TW" altLang="en-US"/>
           </a:p>
@@ -745,7 +746,7 @@
           <a:p>
             <a:fld id="{680594FE-C3CD-4B59-B20C-1FE64225ACE6}" type="datetimeFigureOut">
               <a:rPr lang="zh-TW" altLang="en-US" smtClean="0"/>
-              <a:t>2019/1/24</a:t>
+              <a:t>2019/1/29</a:t>
             </a:fld>
             <a:endParaRPr lang="zh-TW" altLang="en-US"/>
           </a:p>
@@ -1181,7 +1182,7 @@
           <a:p>
             <a:fld id="{680594FE-C3CD-4B59-B20C-1FE64225ACE6}" type="datetimeFigureOut">
               <a:rPr lang="zh-TW" altLang="en-US" smtClean="0"/>
-              <a:t>2019/1/24</a:t>
+              <a:t>2019/1/29</a:t>
             </a:fld>
             <a:endParaRPr lang="zh-TW" altLang="en-US"/>
           </a:p>
@@ -1431,7 +1432,7 @@
           <a:p>
             <a:fld id="{680594FE-C3CD-4B59-B20C-1FE64225ACE6}" type="datetimeFigureOut">
               <a:rPr lang="zh-TW" altLang="en-US" smtClean="0"/>
-              <a:t>2019/1/24</a:t>
+              <a:t>2019/1/29</a:t>
             </a:fld>
             <a:endParaRPr lang="zh-TW" altLang="en-US"/>
           </a:p>
@@ -1739,7 +1740,7 @@
           <a:p>
             <a:fld id="{680594FE-C3CD-4B59-B20C-1FE64225ACE6}" type="datetimeFigureOut">
               <a:rPr lang="zh-TW" altLang="en-US" smtClean="0"/>
-              <a:t>2019/1/24</a:t>
+              <a:t>2019/1/29</a:t>
             </a:fld>
             <a:endParaRPr lang="zh-TW" altLang="en-US"/>
           </a:p>
@@ -2057,7 +2058,7 @@
           <a:p>
             <a:fld id="{680594FE-C3CD-4B59-B20C-1FE64225ACE6}" type="datetimeFigureOut">
               <a:rPr lang="zh-TW" altLang="en-US" smtClean="0"/>
-              <a:t>2019/1/24</a:t>
+              <a:t>2019/1/29</a:t>
             </a:fld>
             <a:endParaRPr lang="zh-TW" altLang="en-US"/>
           </a:p>
@@ -2359,7 +2360,7 @@
           <a:p>
             <a:fld id="{680594FE-C3CD-4B59-B20C-1FE64225ACE6}" type="datetimeFigureOut">
               <a:rPr lang="zh-TW" altLang="en-US" smtClean="0"/>
-              <a:t>2019/1/24</a:t>
+              <a:t>2019/1/29</a:t>
             </a:fld>
             <a:endParaRPr lang="zh-TW" altLang="en-US"/>
           </a:p>
@@ -2726,7 +2727,7 @@
           <a:p>
             <a:fld id="{680594FE-C3CD-4B59-B20C-1FE64225ACE6}" type="datetimeFigureOut">
               <a:rPr lang="zh-TW" altLang="en-US" smtClean="0"/>
-              <a:t>2019/1/24</a:t>
+              <a:t>2019/1/29</a:t>
             </a:fld>
             <a:endParaRPr lang="zh-TW" altLang="en-US"/>
           </a:p>
@@ -2900,7 +2901,7 @@
           <a:p>
             <a:fld id="{680594FE-C3CD-4B59-B20C-1FE64225ACE6}" type="datetimeFigureOut">
               <a:rPr lang="zh-TW" altLang="en-US" smtClean="0"/>
-              <a:t>2019/1/24</a:t>
+              <a:t>2019/1/29</a:t>
             </a:fld>
             <a:endParaRPr lang="zh-TW" altLang="en-US"/>
           </a:p>
@@ -3080,7 +3081,7 @@
           <a:p>
             <a:fld id="{680594FE-C3CD-4B59-B20C-1FE64225ACE6}" type="datetimeFigureOut">
               <a:rPr lang="zh-TW" altLang="en-US" smtClean="0"/>
-              <a:t>2019/1/24</a:t>
+              <a:t>2019/1/29</a:t>
             </a:fld>
             <a:endParaRPr lang="zh-TW" altLang="en-US"/>
           </a:p>
@@ -3250,7 +3251,7 @@
           <a:p>
             <a:fld id="{680594FE-C3CD-4B59-B20C-1FE64225ACE6}" type="datetimeFigureOut">
               <a:rPr lang="zh-TW" altLang="en-US" smtClean="0"/>
-              <a:t>2019/1/24</a:t>
+              <a:t>2019/1/29</a:t>
             </a:fld>
             <a:endParaRPr lang="zh-TW" altLang="en-US"/>
           </a:p>
@@ -3500,7 +3501,7 @@
           <a:p>
             <a:fld id="{680594FE-C3CD-4B59-B20C-1FE64225ACE6}" type="datetimeFigureOut">
               <a:rPr lang="zh-TW" altLang="en-US" smtClean="0"/>
-              <a:t>2019/1/24</a:t>
+              <a:t>2019/1/29</a:t>
             </a:fld>
             <a:endParaRPr lang="zh-TW" altLang="en-US"/>
           </a:p>
@@ -3736,7 +3737,7 @@
           <a:p>
             <a:fld id="{680594FE-C3CD-4B59-B20C-1FE64225ACE6}" type="datetimeFigureOut">
               <a:rPr lang="zh-TW" altLang="en-US" smtClean="0"/>
-              <a:t>2019/1/24</a:t>
+              <a:t>2019/1/29</a:t>
             </a:fld>
             <a:endParaRPr lang="zh-TW" altLang="en-US"/>
           </a:p>
@@ -4118,7 +4119,7 @@
           <a:p>
             <a:fld id="{680594FE-C3CD-4B59-B20C-1FE64225ACE6}" type="datetimeFigureOut">
               <a:rPr lang="zh-TW" altLang="en-US" smtClean="0"/>
-              <a:t>2019/1/24</a:t>
+              <a:t>2019/1/29</a:t>
             </a:fld>
             <a:endParaRPr lang="zh-TW" altLang="en-US"/>
           </a:p>
@@ -4236,7 +4237,7 @@
           <a:p>
             <a:fld id="{680594FE-C3CD-4B59-B20C-1FE64225ACE6}" type="datetimeFigureOut">
               <a:rPr lang="zh-TW" altLang="en-US" smtClean="0"/>
-              <a:t>2019/1/24</a:t>
+              <a:t>2019/1/29</a:t>
             </a:fld>
             <a:endParaRPr lang="zh-TW" altLang="en-US"/>
           </a:p>
@@ -4331,7 +4332,7 @@
           <a:p>
             <a:fld id="{680594FE-C3CD-4B59-B20C-1FE64225ACE6}" type="datetimeFigureOut">
               <a:rPr lang="zh-TW" altLang="en-US" smtClean="0"/>
-              <a:t>2019/1/24</a:t>
+              <a:t>2019/1/29</a:t>
             </a:fld>
             <a:endParaRPr lang="zh-TW" altLang="en-US"/>
           </a:p>
@@ -4586,7 +4587,7 @@
           <a:p>
             <a:fld id="{680594FE-C3CD-4B59-B20C-1FE64225ACE6}" type="datetimeFigureOut">
               <a:rPr lang="zh-TW" altLang="en-US" smtClean="0"/>
-              <a:t>2019/1/24</a:t>
+              <a:t>2019/1/29</a:t>
             </a:fld>
             <a:endParaRPr lang="zh-TW" altLang="en-US"/>
           </a:p>
@@ -4869,7 +4870,7 @@
           <a:p>
             <a:fld id="{680594FE-C3CD-4B59-B20C-1FE64225ACE6}" type="datetimeFigureOut">
               <a:rPr lang="zh-TW" altLang="en-US" smtClean="0"/>
-              <a:t>2019/1/24</a:t>
+              <a:t>2019/1/29</a:t>
             </a:fld>
             <a:endParaRPr lang="zh-TW" altLang="en-US"/>
           </a:p>
@@ -5275,7 +5276,7 @@
           <a:p>
             <a:fld id="{680594FE-C3CD-4B59-B20C-1FE64225ACE6}" type="datetimeFigureOut">
               <a:rPr lang="zh-TW" altLang="en-US" smtClean="0"/>
-              <a:t>2019/1/24</a:t>
+              <a:t>2019/1/29</a:t>
             </a:fld>
             <a:endParaRPr lang="zh-TW" altLang="en-US"/>
           </a:p>
@@ -5876,13 +5877,13 @@
   <p:clrMapOvr>
     <a:masterClrMapping/>
   </p:clrMapOvr>
-  <mc:AlternateContent xmlns:mc="http://schemas.openxmlformats.org/markup-compatibility/2006">
-    <mc:Choice xmlns:p14="http://schemas.microsoft.com/office/powerpoint/2010/main" Requires="p14">
+  <mc:AlternateContent xmlns:mc="http://schemas.openxmlformats.org/markup-compatibility/2006" xmlns:p14="http://schemas.microsoft.com/office/powerpoint/2010/main">
+    <mc:Choice Requires="p14">
       <p:transition spd="slow" p14:dur="2000">
         <p:cut/>
       </p:transition>
     </mc:Choice>
-    <mc:Fallback>
+    <mc:Fallback xmlns="">
       <p:transition spd="slow">
         <p:cut/>
       </p:transition>
@@ -6138,13 +6139,13 @@
   <p:clrMapOvr>
     <a:masterClrMapping/>
   </p:clrMapOvr>
-  <mc:AlternateContent xmlns:mc="http://schemas.openxmlformats.org/markup-compatibility/2006">
-    <mc:Choice xmlns:p14="http://schemas.microsoft.com/office/powerpoint/2010/main" Requires="p14">
+  <mc:AlternateContent xmlns:mc="http://schemas.openxmlformats.org/markup-compatibility/2006" xmlns:p14="http://schemas.microsoft.com/office/powerpoint/2010/main">
+    <mc:Choice Requires="p14">
       <p:transition spd="slow" p14:dur="2000">
         <p:cut/>
       </p:transition>
     </mc:Choice>
-    <mc:Fallback>
+    <mc:Fallback xmlns="">
       <p:transition spd="slow">
         <p:cut/>
       </p:transition>
@@ -6209,7 +6210,7 @@
       </p:sp>
       <p:pic>
         <p:nvPicPr>
-          <p:cNvPr id="4" name="圖片 3"/>
+          <p:cNvPr id="5" name="圖片 4"/>
           <p:cNvPicPr>
             <a:picLocks noChangeAspect="1"/>
           </p:cNvPicPr>
@@ -6223,8 +6224,8 @@
         </p:blipFill>
         <p:spPr>
           <a:xfrm>
-            <a:off x="1520969" y="118918"/>
-            <a:ext cx="8429625" cy="5715000"/>
+            <a:off x="10362839" y="2938318"/>
+            <a:ext cx="1552575" cy="2895600"/>
           </a:xfrm>
           <a:prstGeom prst="rect">
             <a:avLst/>
@@ -6233,22 +6234,21 @@
       </p:pic>
       <p:pic>
         <p:nvPicPr>
-          <p:cNvPr id="5" name="圖片 4"/>
+          <p:cNvPr id="12" name="圖片 11"/>
           <p:cNvPicPr>
             <a:picLocks noChangeAspect="1"/>
           </p:cNvPicPr>
           <p:nvPr/>
         </p:nvPicPr>
-        <p:blipFill>
+        <p:blipFill rotWithShape="1">
           <a:blip r:embed="rId3"/>
-          <a:stretch>
-            <a:fillRect/>
-          </a:stretch>
+          <a:srcRect l="14850" t="29069" r="39746" b="1800"/>
+          <a:stretch/>
         </p:blipFill>
         <p:spPr>
           <a:xfrm>
-            <a:off x="10362839" y="2938318"/>
-            <a:ext cx="1552575" cy="2895600"/>
+            <a:off x="1834588" y="282404"/>
+            <a:ext cx="7141988" cy="6113818"/>
           </a:xfrm>
           <a:prstGeom prst="rect">
             <a:avLst/>
@@ -6265,13 +6265,13 @@
   <p:clrMapOvr>
     <a:masterClrMapping/>
   </p:clrMapOvr>
-  <mc:AlternateContent xmlns:mc="http://schemas.openxmlformats.org/markup-compatibility/2006">
-    <mc:Choice xmlns:p14="http://schemas.microsoft.com/office/powerpoint/2010/main" Requires="p14">
+  <mc:AlternateContent xmlns:mc="http://schemas.openxmlformats.org/markup-compatibility/2006" xmlns:p14="http://schemas.microsoft.com/office/powerpoint/2010/main">
+    <mc:Choice Requires="p14">
       <p:transition spd="slow" p14:dur="2000">
         <p:cut/>
       </p:transition>
     </mc:Choice>
-    <mc:Fallback>
+    <mc:Fallback xmlns="">
       <p:transition spd="slow">
         <p:cut/>
       </p:transition>
@@ -6304,114 +6304,77 @@
           <a:chExt cx="0" cy="0"/>
         </a:xfrm>
       </p:grpSpPr>
-      <p:sp>
-        <p:nvSpPr>
-          <p:cNvPr id="2" name="標題 1"/>
-          <p:cNvSpPr>
-            <a:spLocks noGrp="1"/>
-          </p:cNvSpPr>
-          <p:nvPr>
-            <p:ph type="title"/>
-          </p:nvPr>
-        </p:nvSpPr>
-        <p:spPr>
-          <a:xfrm>
-            <a:off x="2668587" y="4311841"/>
-            <a:ext cx="9523413" cy="1507067"/>
-          </a:xfrm>
-        </p:spPr>
-        <p:txBody>
-          <a:bodyPr/>
-          <a:lstStyle/>
-          <a:p>
-            <a:r>
-              <a:rPr lang="zh-TW" altLang="en-US" dirty="0" smtClean="0"/>
-              <a:t>男性</a:t>
-            </a:r>
-            <a:r>
-              <a:rPr lang="en-US" altLang="zh-TW" dirty="0" smtClean="0"/>
-              <a:t>										</a:t>
-            </a:r>
-            <a:r>
-              <a:rPr lang="zh-TW" altLang="en-US" dirty="0" smtClean="0"/>
-              <a:t>女性</a:t>
-            </a:r>
-            <a:endParaRPr lang="zh-TW" altLang="en-US" dirty="0"/>
-          </a:p>
-        </p:txBody>
-      </p:sp>
-      <p:sp>
-        <p:nvSpPr>
-          <p:cNvPr id="3" name="內容版面配置區 2"/>
-          <p:cNvSpPr>
-            <a:spLocks noGrp="1"/>
-          </p:cNvSpPr>
-          <p:nvPr>
-            <p:ph idx="1"/>
-          </p:nvPr>
-        </p:nvSpPr>
-        <p:spPr>
-          <a:xfrm>
-            <a:off x="721" y="0"/>
-            <a:ext cx="1052224" cy="4468091"/>
-          </a:xfrm>
-        </p:spPr>
-        <p:txBody>
-          <a:bodyPr>
-            <a:normAutofit fontScale="92500" lnSpcReduction="10000"/>
-          </a:bodyPr>
-          <a:lstStyle/>
-          <a:p>
-            <a:r>
-              <a:rPr lang="en-US" altLang="zh-TW" sz="4000" dirty="0" smtClean="0"/>
-              <a:t/>
-            </a:r>
-            <a:br>
-              <a:rPr lang="en-US" altLang="zh-TW" sz="4000" dirty="0" smtClean="0"/>
-            </a:br>
-            <a:r>
-              <a:rPr lang="zh-TW" altLang="en-US" sz="4000" dirty="0" smtClean="0"/>
-              <a:t>年齡</a:t>
-            </a:r>
-            <a:r>
-              <a:rPr lang="en-US" altLang="zh-TW" sz="4000" dirty="0" smtClean="0"/>
-              <a:t>X</a:t>
-            </a:r>
-            <a:r>
-              <a:rPr lang="zh-TW" altLang="en-US" sz="4000" dirty="0" smtClean="0"/>
-              <a:t>遊玩時間</a:t>
-            </a:r>
-            <a:endParaRPr lang="zh-TW" altLang="en-US" sz="4000" dirty="0"/>
-          </a:p>
-        </p:txBody>
-      </p:sp>
       <p:pic>
         <p:nvPicPr>
-          <p:cNvPr id="4" name="圖片 3"/>
+          <p:cNvPr id="7" name="圖片 6"/>
           <p:cNvPicPr>
             <a:picLocks noChangeAspect="1"/>
           </p:cNvPicPr>
           <p:nvPr/>
         </p:nvPicPr>
-        <p:blipFill>
+        <p:blipFill rotWithShape="1">
           <a:blip r:embed="rId2"/>
-          <a:stretch>
-            <a:fillRect/>
-          </a:stretch>
+          <a:srcRect l="16869" t="41021" r="29251" b="2829"/>
+          <a:stretch/>
         </p:blipFill>
         <p:spPr>
           <a:xfrm>
-            <a:off x="1167533" y="801157"/>
-            <a:ext cx="5848350" cy="3686175"/>
+            <a:off x="1052945" y="302492"/>
+            <a:ext cx="9342884" cy="5474195"/>
           </a:xfrm>
           <a:prstGeom prst="rect">
             <a:avLst/>
           </a:prstGeom>
         </p:spPr>
       </p:pic>
+      <p:sp>
+        <p:nvSpPr>
+          <p:cNvPr id="3" name="內容版面配置區 2"/>
+          <p:cNvSpPr>
+            <a:spLocks noGrp="1"/>
+          </p:cNvSpPr>
+          <p:nvPr>
+            <p:ph idx="1"/>
+          </p:nvPr>
+        </p:nvSpPr>
+        <p:spPr>
+          <a:xfrm>
+            <a:off x="721" y="0"/>
+            <a:ext cx="1052224" cy="4468091"/>
+          </a:xfrm>
+        </p:spPr>
+        <p:txBody>
+          <a:bodyPr>
+            <a:normAutofit fontScale="92500" lnSpcReduction="10000"/>
+          </a:bodyPr>
+          <a:lstStyle/>
+          <a:p>
+            <a:r>
+              <a:rPr lang="en-US" altLang="zh-TW" sz="4000" dirty="0" smtClean="0"/>
+              <a:t/>
+            </a:r>
+            <a:br>
+              <a:rPr lang="en-US" altLang="zh-TW" sz="4000" dirty="0" smtClean="0"/>
+            </a:br>
+            <a:r>
+              <a:rPr lang="zh-TW" altLang="en-US" sz="4000" dirty="0" smtClean="0"/>
+              <a:t>年齡</a:t>
+            </a:r>
+            <a:r>
+              <a:rPr lang="en-US" altLang="zh-TW" sz="4000" dirty="0" smtClean="0"/>
+              <a:t>X</a:t>
+            </a:r>
+            <a:r>
+              <a:rPr lang="zh-TW" altLang="en-US" sz="4000" dirty="0" smtClean="0"/>
+              <a:t>遊玩時間</a:t>
+            </a:r>
+            <a:endParaRPr lang="zh-TW" altLang="en-US" sz="4000" dirty="0"/>
+          </a:p>
+        </p:txBody>
+      </p:sp>
       <p:pic>
         <p:nvPicPr>
-          <p:cNvPr id="5" name="圖片 4"/>
+          <p:cNvPr id="6" name="圖片 5"/>
           <p:cNvPicPr>
             <a:picLocks noChangeAspect="1"/>
           </p:cNvPicPr>
@@ -6425,38 +6388,33 @@
         </p:blipFill>
         <p:spPr>
           <a:xfrm>
-            <a:off x="7130471" y="801157"/>
-            <a:ext cx="4552950" cy="3648075"/>
+            <a:off x="10351601" y="3793065"/>
+            <a:ext cx="1552575" cy="2895600"/>
           </a:xfrm>
           <a:prstGeom prst="rect">
             <a:avLst/>
           </a:prstGeom>
         </p:spPr>
       </p:pic>
-      <p:pic>
-        <p:nvPicPr>
-          <p:cNvPr id="6" name="圖片 5"/>
-          <p:cNvPicPr>
-            <a:picLocks noChangeAspect="1"/>
-          </p:cNvPicPr>
-          <p:nvPr/>
-        </p:nvPicPr>
-        <p:blipFill>
-          <a:blip r:embed="rId4"/>
-          <a:stretch>
-            <a:fillRect/>
-          </a:stretch>
-        </p:blipFill>
-        <p:spPr>
-          <a:xfrm>
-            <a:off x="5577896" y="3344718"/>
-            <a:ext cx="1552575" cy="2895600"/>
-          </a:xfrm>
-          <a:prstGeom prst="rect">
-            <a:avLst/>
-          </a:prstGeom>
-        </p:spPr>
-      </p:pic>
+      <p:sp>
+        <p:nvSpPr>
+          <p:cNvPr id="8" name="標題 7"/>
+          <p:cNvSpPr>
+            <a:spLocks noGrp="1"/>
+          </p:cNvSpPr>
+          <p:nvPr>
+            <p:ph type="title"/>
+          </p:nvPr>
+        </p:nvSpPr>
+        <p:spPr/>
+        <p:txBody>
+          <a:bodyPr/>
+          <a:lstStyle/>
+          <a:p>
+            <a:endParaRPr lang="zh-TW" altLang="en-US" dirty="0"/>
+          </a:p>
+        </p:txBody>
+      </p:sp>
     </p:spTree>
     <p:extLst>
       <p:ext uri="{BB962C8B-B14F-4D97-AF65-F5344CB8AC3E}">
@@ -6467,13 +6425,13 @@
   <p:clrMapOvr>
     <a:masterClrMapping/>
   </p:clrMapOvr>
-  <mc:AlternateContent xmlns:mc="http://schemas.openxmlformats.org/markup-compatibility/2006">
-    <mc:Choice xmlns:p14="http://schemas.microsoft.com/office/powerpoint/2010/main" Requires="p14">
+  <mc:AlternateContent xmlns:mc="http://schemas.openxmlformats.org/markup-compatibility/2006" xmlns:p14="http://schemas.microsoft.com/office/powerpoint/2010/main">
+    <mc:Choice Requires="p14">
       <p:transition spd="slow" p14:dur="2000">
         <p:cut/>
       </p:transition>
     </mc:Choice>
-    <mc:Fallback>
+    <mc:Fallback xmlns="">
       <p:transition spd="slow">
         <p:cut/>
       </p:transition>
@@ -6663,13 +6621,13 @@
   <p:clrMapOvr>
     <a:masterClrMapping/>
   </p:clrMapOvr>
-  <mc:AlternateContent xmlns:mc="http://schemas.openxmlformats.org/markup-compatibility/2006">
-    <mc:Choice xmlns:p14="http://schemas.microsoft.com/office/powerpoint/2010/main" Requires="p14">
+  <mc:AlternateContent xmlns:mc="http://schemas.openxmlformats.org/markup-compatibility/2006" xmlns:p14="http://schemas.microsoft.com/office/powerpoint/2010/main">
+    <mc:Choice Requires="p14">
       <p:transition spd="slow" p14:dur="2000">
         <p:cut/>
       </p:transition>
     </mc:Choice>
-    <mc:Fallback>
+    <mc:Fallback xmlns="">
       <p:transition spd="slow">
         <p:cut/>
       </p:transition>
@@ -6726,7 +6684,6 @@
               <a:rPr lang="zh-TW" altLang="en-US" dirty="0"/>
               <a:t>人數與時間的影響下，大家願意花多少？</a:t>
             </a:r>
-            <a:endParaRPr lang="zh-TW" altLang="en-US" dirty="0"/>
           </a:p>
         </p:txBody>
       </p:sp>
@@ -6773,28 +6730,22 @@
       </p:sp>
       <p:pic>
         <p:nvPicPr>
-          <p:cNvPr id="5" name="圖片 4"/>
+          <p:cNvPr id="8" name="圖片 7"/>
           <p:cNvPicPr>
             <a:picLocks noChangeAspect="1"/>
           </p:cNvPicPr>
           <p:nvPr/>
         </p:nvPicPr>
         <p:blipFill>
-          <a:blip r:embed="rId3">
-            <a:extLst>
-              <a:ext uri="{28A0092B-C50C-407E-A947-70E740481C1C}">
-                <a14:useLocalDpi xmlns:a14="http://schemas.microsoft.com/office/drawing/2010/main" val="0"/>
-              </a:ext>
-            </a:extLst>
-          </a:blip>
+          <a:blip r:embed="rId3"/>
           <a:stretch>
             <a:fillRect/>
           </a:stretch>
         </p:blipFill>
         <p:spPr>
           <a:xfrm>
-            <a:off x="3543544" y="286327"/>
-            <a:ext cx="7216936" cy="4321949"/>
+            <a:off x="1522557" y="1959408"/>
+            <a:ext cx="1924050" cy="1590675"/>
           </a:xfrm>
           <a:prstGeom prst="rect">
             <a:avLst/>
@@ -6803,22 +6754,21 @@
       </p:pic>
       <p:pic>
         <p:nvPicPr>
-          <p:cNvPr id="6" name="圖片 5"/>
+          <p:cNvPr id="4" name="圖片 3"/>
           <p:cNvPicPr>
             <a:picLocks noChangeAspect="1"/>
           </p:cNvPicPr>
           <p:nvPr/>
         </p:nvPicPr>
-        <p:blipFill>
+        <p:blipFill rotWithShape="1">
           <a:blip r:embed="rId4"/>
-          <a:stretch>
-            <a:fillRect/>
-          </a:stretch>
+          <a:srcRect l="16646" t="36855" r="34592" b="3819"/>
+          <a:stretch/>
         </p:blipFill>
         <p:spPr>
           <a:xfrm>
-            <a:off x="9581139" y="4748306"/>
-            <a:ext cx="1323975" cy="1724025"/>
+            <a:off x="3658999" y="196105"/>
+            <a:ext cx="7125116" cy="4873668"/>
           </a:xfrm>
           <a:prstGeom prst="rect">
             <a:avLst/>
@@ -6827,7 +6777,7 @@
       </p:pic>
       <p:pic>
         <p:nvPicPr>
-          <p:cNvPr id="8" name="圖片 7"/>
+          <p:cNvPr id="6" name="圖片 5"/>
           <p:cNvPicPr>
             <a:picLocks noChangeAspect="1"/>
           </p:cNvPicPr>
@@ -6841,8 +6791,8 @@
         </p:blipFill>
         <p:spPr>
           <a:xfrm>
-            <a:off x="1522557" y="1959408"/>
-            <a:ext cx="1924050" cy="1590675"/>
+            <a:off x="9581139" y="4748306"/>
+            <a:ext cx="1323975" cy="1724025"/>
           </a:xfrm>
           <a:prstGeom prst="rect">
             <a:avLst/>
@@ -6859,13 +6809,13 @@
   <p:clrMapOvr>
     <a:masterClrMapping/>
   </p:clrMapOvr>
-  <mc:AlternateContent xmlns:mc="http://schemas.openxmlformats.org/markup-compatibility/2006">
-    <mc:Choice xmlns:p14="http://schemas.microsoft.com/office/powerpoint/2010/main" Requires="p14">
+  <mc:AlternateContent xmlns:mc="http://schemas.openxmlformats.org/markup-compatibility/2006" xmlns:p14="http://schemas.microsoft.com/office/powerpoint/2010/main">
+    <mc:Choice Requires="p14">
       <p:transition spd="slow" p14:dur="2000">
         <p:cut/>
       </p:transition>
     </mc:Choice>
-    <mc:Fallback>
+    <mc:Fallback xmlns="">
       <p:transition spd="slow">
         <p:cut/>
       </p:transition>
@@ -6878,6 +6828,80 @@
       </p:par>
     </p:tnLst>
   </p:timing>
+</p:sld>
+</file>
+
+<file path=ppt/slides/slide7.xml><?xml version="1.0" encoding="utf-8"?>
+<p:sld xmlns:a="http://schemas.openxmlformats.org/drawingml/2006/main" xmlns:r="http://schemas.openxmlformats.org/officeDocument/2006/relationships" xmlns:p="http://schemas.openxmlformats.org/presentationml/2006/main">
+  <p:cSld>
+    <p:spTree>
+      <p:nvGrpSpPr>
+        <p:cNvPr id="1" name=""/>
+        <p:cNvGrpSpPr/>
+        <p:nvPr/>
+      </p:nvGrpSpPr>
+      <p:grpSpPr>
+        <a:xfrm>
+          <a:off x="0" y="0"/>
+          <a:ext cx="0" cy="0"/>
+          <a:chOff x="0" y="0"/>
+          <a:chExt cx="0" cy="0"/>
+        </a:xfrm>
+      </p:grpSpPr>
+      <p:sp>
+        <p:nvSpPr>
+          <p:cNvPr id="2" name="標題 1"/>
+          <p:cNvSpPr>
+            <a:spLocks noGrp="1"/>
+          </p:cNvSpPr>
+          <p:nvPr>
+            <p:ph type="title"/>
+          </p:nvPr>
+        </p:nvSpPr>
+        <p:spPr/>
+        <p:txBody>
+          <a:bodyPr/>
+          <a:lstStyle/>
+          <a:p>
+            <a:endParaRPr lang="zh-TW" altLang="en-US"/>
+          </a:p>
+        </p:txBody>
+      </p:sp>
+      <p:pic>
+        <p:nvPicPr>
+          <p:cNvPr id="4" name="內容版面配置區 3"/>
+          <p:cNvPicPr>
+            <a:picLocks noGrp="1" noChangeAspect="1"/>
+          </p:cNvPicPr>
+          <p:nvPr>
+            <p:ph idx="1"/>
+          </p:nvPr>
+        </p:nvPicPr>
+        <p:blipFill rotWithShape="1">
+          <a:blip r:embed="rId2"/>
+          <a:srcRect l="16255" t="35184" r="34869" b="4604"/>
+          <a:stretch/>
+        </p:blipFill>
+        <p:spPr>
+          <a:xfrm>
+            <a:off x="1491287" y="349471"/>
+            <a:ext cx="7727325" cy="5352123"/>
+          </a:xfrm>
+          <a:prstGeom prst="rect">
+            <a:avLst/>
+          </a:prstGeom>
+        </p:spPr>
+      </p:pic>
+    </p:spTree>
+    <p:extLst>
+      <p:ext uri="{BB962C8B-B14F-4D97-AF65-F5344CB8AC3E}">
+        <p14:creationId xmlns:p14="http://schemas.microsoft.com/office/powerpoint/2010/main" val="2123398707"/>
+      </p:ext>
+    </p:extLst>
+  </p:cSld>
+  <p:clrMapOvr>
+    <a:masterClrMapping/>
+  </p:clrMapOvr>
 </p:sld>
 </file>
 

--- a/Pitch1.pptx
+++ b/Pitch1.pptx
@@ -6234,7 +6234,7 @@
       </p:pic>
       <p:pic>
         <p:nvPicPr>
-          <p:cNvPr id="12" name="圖片 11"/>
+          <p:cNvPr id="2" name="圖片 1"/>
           <p:cNvPicPr>
             <a:picLocks noChangeAspect="1"/>
           </p:cNvPicPr>
@@ -6242,13 +6242,13 @@
         </p:nvPicPr>
         <p:blipFill rotWithShape="1">
           <a:blip r:embed="rId3"/>
-          <a:srcRect l="14850" t="29069" r="39746" b="1800"/>
+          <a:srcRect l="14927" t="29315" r="40135" b="2233"/>
           <a:stretch/>
         </p:blipFill>
         <p:spPr>
           <a:xfrm>
-            <a:off x="1834588" y="282404"/>
-            <a:ext cx="7141988" cy="6113818"/>
+            <a:off x="2200244" y="232229"/>
+            <a:ext cx="7451756" cy="6381748"/>
           </a:xfrm>
           <a:prstGeom prst="rect">
             <a:avLst/>
@@ -6306,7 +6306,7 @@
       </p:grpSpPr>
       <p:pic>
         <p:nvPicPr>
-          <p:cNvPr id="7" name="圖片 6"/>
+          <p:cNvPr id="2" name="圖片 1"/>
           <p:cNvPicPr>
             <a:picLocks noChangeAspect="1"/>
           </p:cNvPicPr>
@@ -6314,13 +6314,13 @@
         </p:nvPicPr>
         <p:blipFill rotWithShape="1">
           <a:blip r:embed="rId2"/>
-          <a:srcRect l="16869" t="41021" r="29251" b="2829"/>
+          <a:srcRect l="15753" t="28720" r="20885" b="3820"/>
           <a:stretch/>
         </p:blipFill>
         <p:spPr>
           <a:xfrm>
-            <a:off x="1052945" y="302492"/>
-            <a:ext cx="9342884" cy="5474195"/>
+            <a:off x="1291770" y="537028"/>
+            <a:ext cx="9245601" cy="5534339"/>
           </a:xfrm>
           <a:prstGeom prst="rect">
             <a:avLst/>
@@ -6660,6 +6660,29 @@
           <a:chExt cx="0" cy="0"/>
         </a:xfrm>
       </p:grpSpPr>
+      <p:pic>
+        <p:nvPicPr>
+          <p:cNvPr id="5" name="圖片 4"/>
+          <p:cNvPicPr>
+            <a:picLocks noChangeAspect="1"/>
+          </p:cNvPicPr>
+          <p:nvPr/>
+        </p:nvPicPr>
+        <p:blipFill rotWithShape="1">
+          <a:blip r:embed="rId3"/>
+          <a:srcRect l="16869" t="40029" r="35608" b="1241"/>
+          <a:stretch/>
+        </p:blipFill>
+        <p:spPr>
+          <a:xfrm>
+            <a:off x="3446607" y="205563"/>
+            <a:ext cx="7337507" cy="5098364"/>
+          </a:xfrm>
+          <a:prstGeom prst="rect">
+            <a:avLst/>
+          </a:prstGeom>
+        </p:spPr>
+      </p:pic>
       <p:sp>
         <p:nvSpPr>
           <p:cNvPr id="2" name="標題 1"/>
@@ -6737,7 +6760,7 @@
           <p:nvPr/>
         </p:nvPicPr>
         <p:blipFill>
-          <a:blip r:embed="rId3"/>
+          <a:blip r:embed="rId4"/>
           <a:stretch>
             <a:fillRect/>
           </a:stretch>
@@ -6746,29 +6769,6 @@
           <a:xfrm>
             <a:off x="1522557" y="1959408"/>
             <a:ext cx="1924050" cy="1590675"/>
-          </a:xfrm>
-          <a:prstGeom prst="rect">
-            <a:avLst/>
-          </a:prstGeom>
-        </p:spPr>
-      </p:pic>
-      <p:pic>
-        <p:nvPicPr>
-          <p:cNvPr id="4" name="圖片 3"/>
-          <p:cNvPicPr>
-            <a:picLocks noChangeAspect="1"/>
-          </p:cNvPicPr>
-          <p:nvPr/>
-        </p:nvPicPr>
-        <p:blipFill rotWithShape="1">
-          <a:blip r:embed="rId4"/>
-          <a:srcRect l="16646" t="36855" r="34592" b="3819"/>
-          <a:stretch/>
-        </p:blipFill>
-        <p:spPr>
-          <a:xfrm>
-            <a:off x="3658999" y="196105"/>
-            <a:ext cx="7125116" cy="4873668"/>
           </a:xfrm>
           <a:prstGeom prst="rect">
             <a:avLst/>
@@ -6791,7 +6791,7 @@
         </p:blipFill>
         <p:spPr>
           <a:xfrm>
-            <a:off x="9581139" y="4748306"/>
+            <a:off x="9941503" y="4748306"/>
             <a:ext cx="1323975" cy="1724025"/>
           </a:xfrm>
           <a:prstGeom prst="rect">
@@ -6867,25 +6867,42 @@
           </a:p>
         </p:txBody>
       </p:sp>
+      <p:sp>
+        <p:nvSpPr>
+          <p:cNvPr id="5" name="內容版面配置區 4"/>
+          <p:cNvSpPr>
+            <a:spLocks noGrp="1"/>
+          </p:cNvSpPr>
+          <p:nvPr>
+            <p:ph idx="1"/>
+          </p:nvPr>
+        </p:nvSpPr>
+        <p:spPr/>
+        <p:txBody>
+          <a:bodyPr/>
+          <a:lstStyle/>
+          <a:p>
+            <a:endParaRPr lang="zh-TW" altLang="en-US"/>
+          </a:p>
+        </p:txBody>
+      </p:sp>
       <p:pic>
         <p:nvPicPr>
-          <p:cNvPr id="4" name="內容版面配置區 3"/>
+          <p:cNvPr id="6" name="圖片 5"/>
           <p:cNvPicPr>
-            <a:picLocks noGrp="1" noChangeAspect="1"/>
+            <a:picLocks noChangeAspect="1"/>
           </p:cNvPicPr>
-          <p:nvPr>
-            <p:ph idx="1"/>
-          </p:nvPr>
+          <p:nvPr/>
         </p:nvPicPr>
         <p:blipFill rotWithShape="1">
           <a:blip r:embed="rId2"/>
-          <a:srcRect l="16255" t="35184" r="34869" b="4604"/>
+          <a:srcRect l="17092" t="38840" r="35482" b="2431"/>
           <a:stretch/>
         </p:blipFill>
         <p:spPr>
           <a:xfrm>
-            <a:off x="1491287" y="349471"/>
-            <a:ext cx="7727325" cy="5352123"/>
+            <a:off x="2017485" y="258232"/>
+            <a:ext cx="7984898" cy="5559407"/>
           </a:xfrm>
           <a:prstGeom prst="rect">
             <a:avLst/>
